--- a/Deception Detection using Facial Action Units.pptx
+++ b/Deception Detection using Facial Action Units.pptx
@@ -11,6 +11,9 @@
     <p:sldId id="260" r:id="rId5"/>
     <p:sldId id="262" r:id="rId6"/>
     <p:sldId id="261" r:id="rId7"/>
+    <p:sldId id="263" r:id="rId8"/>
+    <p:sldId id="264" r:id="rId9"/>
+    <p:sldId id="265" r:id="rId10"/>
   </p:sldIdLst>
   <p:sldSz cx="12192000" cy="6858000"/>
   <p:notesSz cx="6858000" cy="9144000"/>
@@ -109,6 +112,11 @@
       </a:defRPr>
     </a:lvl9pPr>
   </p:defaultTextStyle>
+  <p:extLst>
+    <p:ext uri="{EFAFB233-063F-42B5-8137-9DF3F51BA10A}">
+      <p15:sldGuideLst xmlns:p15="http://schemas.microsoft.com/office/powerpoint/2012/main"/>
+    </p:ext>
+  </p:extLst>
 </p:presentation>
 </file>
 
@@ -243,7 +251,7 @@
           <a:p>
             <a:fld id="{E2871C63-F475-4904-B730-D2EF70A0C39F}" type="datetimeFigureOut">
               <a:rPr lang="en-US" smtClean="0"/>
-              <a:t>08-Dec-18</a:t>
+              <a:t>12/14/2018</a:t>
             </a:fld>
             <a:endParaRPr lang="en-US"/>
           </a:p>
@@ -413,7 +421,7 @@
           <a:p>
             <a:fld id="{E2871C63-F475-4904-B730-D2EF70A0C39F}" type="datetimeFigureOut">
               <a:rPr lang="en-US" smtClean="0"/>
-              <a:t>08-Dec-18</a:t>
+              <a:t>12/14/2018</a:t>
             </a:fld>
             <a:endParaRPr lang="en-US"/>
           </a:p>
@@ -593,7 +601,7 @@
           <a:p>
             <a:fld id="{E2871C63-F475-4904-B730-D2EF70A0C39F}" type="datetimeFigureOut">
               <a:rPr lang="en-US" smtClean="0"/>
-              <a:t>08-Dec-18</a:t>
+              <a:t>12/14/2018</a:t>
             </a:fld>
             <a:endParaRPr lang="en-US"/>
           </a:p>
@@ -763,7 +771,7 @@
           <a:p>
             <a:fld id="{E2871C63-F475-4904-B730-D2EF70A0C39F}" type="datetimeFigureOut">
               <a:rPr lang="en-US" smtClean="0"/>
-              <a:t>08-Dec-18</a:t>
+              <a:t>12/14/2018</a:t>
             </a:fld>
             <a:endParaRPr lang="en-US"/>
           </a:p>
@@ -1009,7 +1017,7 @@
           <a:p>
             <a:fld id="{E2871C63-F475-4904-B730-D2EF70A0C39F}" type="datetimeFigureOut">
               <a:rPr lang="en-US" smtClean="0"/>
-              <a:t>08-Dec-18</a:t>
+              <a:t>12/14/2018</a:t>
             </a:fld>
             <a:endParaRPr lang="en-US"/>
           </a:p>
@@ -1241,7 +1249,7 @@
           <a:p>
             <a:fld id="{E2871C63-F475-4904-B730-D2EF70A0C39F}" type="datetimeFigureOut">
               <a:rPr lang="en-US" smtClean="0"/>
-              <a:t>08-Dec-18</a:t>
+              <a:t>12/14/2018</a:t>
             </a:fld>
             <a:endParaRPr lang="en-US"/>
           </a:p>
@@ -1608,7 +1616,7 @@
           <a:p>
             <a:fld id="{E2871C63-F475-4904-B730-D2EF70A0C39F}" type="datetimeFigureOut">
               <a:rPr lang="en-US" smtClean="0"/>
-              <a:t>08-Dec-18</a:t>
+              <a:t>12/14/2018</a:t>
             </a:fld>
             <a:endParaRPr lang="en-US"/>
           </a:p>
@@ -1726,7 +1734,7 @@
           <a:p>
             <a:fld id="{E2871C63-F475-4904-B730-D2EF70A0C39F}" type="datetimeFigureOut">
               <a:rPr lang="en-US" smtClean="0"/>
-              <a:t>08-Dec-18</a:t>
+              <a:t>12/14/2018</a:t>
             </a:fld>
             <a:endParaRPr lang="en-US"/>
           </a:p>
@@ -1821,7 +1829,7 @@
           <a:p>
             <a:fld id="{E2871C63-F475-4904-B730-D2EF70A0C39F}" type="datetimeFigureOut">
               <a:rPr lang="en-US" smtClean="0"/>
-              <a:t>08-Dec-18</a:t>
+              <a:t>12/14/2018</a:t>
             </a:fld>
             <a:endParaRPr lang="en-US"/>
           </a:p>
@@ -2098,7 +2106,7 @@
           <a:p>
             <a:fld id="{E2871C63-F475-4904-B730-D2EF70A0C39F}" type="datetimeFigureOut">
               <a:rPr lang="en-US" smtClean="0"/>
-              <a:t>08-Dec-18</a:t>
+              <a:t>12/14/2018</a:t>
             </a:fld>
             <a:endParaRPr lang="en-US"/>
           </a:p>
@@ -2351,7 +2359,7 @@
           <a:p>
             <a:fld id="{E2871C63-F475-4904-B730-D2EF70A0C39F}" type="datetimeFigureOut">
               <a:rPr lang="en-US" smtClean="0"/>
-              <a:t>08-Dec-18</a:t>
+              <a:t>12/14/2018</a:t>
             </a:fld>
             <a:endParaRPr lang="en-US"/>
           </a:p>
@@ -2564,7 +2572,7 @@
           <a:p>
             <a:fld id="{E2871C63-F475-4904-B730-D2EF70A0C39F}" type="datetimeFigureOut">
               <a:rPr lang="en-US" smtClean="0"/>
-              <a:t>08-Dec-18</a:t>
+              <a:t>12/14/2018</a:t>
             </a:fld>
             <a:endParaRPr lang="en-US"/>
           </a:p>
@@ -3525,11 +3533,24 @@
           <a:p>
             <a:r>
               <a:rPr lang="en-US" dirty="0" smtClean="0"/>
-              <a:t>AUs can be used to codify emotions through the </a:t>
-            </a:r>
-            <a:r>
-              <a:rPr lang="en-US" smtClean="0"/>
-              <a:t>muscles involved.</a:t>
+              <a:t>AUs can be used to codify emotions through the muscles </a:t>
+            </a:r>
+            <a:r>
+              <a:rPr lang="en-US" dirty="0" smtClean="0"/>
+              <a:t>involved and the intensity of the movement.</a:t>
+            </a:r>
+          </a:p>
+          <a:p>
+            <a:r>
+              <a:rPr lang="en-US" dirty="0" smtClean="0"/>
+              <a:t>Facial Action Coding System manual</a:t>
+            </a:r>
+            <a:br>
+              <a:rPr lang="en-US" dirty="0" smtClean="0"/>
+            </a:br>
+            <a:r>
+              <a:rPr lang="en-US" dirty="0" smtClean="0"/>
+              <a:t>for such classification.</a:t>
             </a:r>
             <a:endParaRPr lang="en-US" dirty="0" smtClean="0"/>
           </a:p>
@@ -3560,7 +3581,7 @@
         </p:blipFill>
         <p:spPr>
           <a:xfrm>
-            <a:off x="3708984" y="3390467"/>
+            <a:off x="6579769" y="3573953"/>
             <a:ext cx="4774031" cy="2603010"/>
           </a:xfrm>
           <a:prstGeom prst="rect">
@@ -3648,6 +3669,639 @@
     <p:extLst>
       <p:ext uri="{BB962C8B-B14F-4D97-AF65-F5344CB8AC3E}">
         <p14:creationId xmlns:p14="http://schemas.microsoft.com/office/powerpoint/2010/main" val="1095458886"/>
+      </p:ext>
+    </p:extLst>
+  </p:cSld>
+  <p:clrMapOvr>
+    <a:masterClrMapping/>
+  </p:clrMapOvr>
+</p:sld>
+</file>
+
+<file path=ppt/slides/slide7.xml><?xml version="1.0" encoding="utf-8"?>
+<p:sld xmlns:a="http://schemas.openxmlformats.org/drawingml/2006/main" xmlns:r="http://schemas.openxmlformats.org/officeDocument/2006/relationships" xmlns:p="http://schemas.openxmlformats.org/presentationml/2006/main">
+  <p:cSld>
+    <p:spTree>
+      <p:nvGrpSpPr>
+        <p:cNvPr id="1" name=""/>
+        <p:cNvGrpSpPr/>
+        <p:nvPr/>
+      </p:nvGrpSpPr>
+      <p:grpSpPr>
+        <a:xfrm>
+          <a:off x="0" y="0"/>
+          <a:ext cx="0" cy="0"/>
+          <a:chOff x="0" y="0"/>
+          <a:chExt cx="0" cy="0"/>
+        </a:xfrm>
+      </p:grpSpPr>
+      <p:sp>
+        <p:nvSpPr>
+          <p:cNvPr id="2" name="Title 1"/>
+          <p:cNvSpPr>
+            <a:spLocks noGrp="1"/>
+          </p:cNvSpPr>
+          <p:nvPr>
+            <p:ph type="title"/>
+          </p:nvPr>
+        </p:nvSpPr>
+        <p:spPr/>
+        <p:txBody>
+          <a:bodyPr/>
+          <a:lstStyle/>
+          <a:p>
+            <a:r>
+              <a:rPr lang="en-US" dirty="0" smtClean="0"/>
+              <a:t>Architecture</a:t>
+            </a:r>
+            <a:endParaRPr lang="en-US" dirty="0"/>
+          </a:p>
+        </p:txBody>
+      </p:sp>
+      <p:sp>
+        <p:nvSpPr>
+          <p:cNvPr id="3" name="Content Placeholder 2"/>
+          <p:cNvSpPr>
+            <a:spLocks noGrp="1"/>
+          </p:cNvSpPr>
+          <p:nvPr>
+            <p:ph idx="1"/>
+          </p:nvPr>
+        </p:nvSpPr>
+        <p:spPr/>
+        <p:txBody>
+          <a:bodyPr/>
+          <a:lstStyle/>
+          <a:p>
+            <a:r>
+              <a:rPr lang="en-US" dirty="0" smtClean="0"/>
+              <a:t>Input Video</a:t>
+            </a:r>
+          </a:p>
+          <a:p>
+            <a:r>
+              <a:rPr lang="en-US" dirty="0" smtClean="0"/>
+              <a:t>Face Detection</a:t>
+            </a:r>
+          </a:p>
+          <a:p>
+            <a:r>
+              <a:rPr lang="en-US" dirty="0" smtClean="0"/>
+              <a:t>Landmark Detection</a:t>
+            </a:r>
+          </a:p>
+          <a:p>
+            <a:r>
+              <a:rPr lang="en-US" dirty="0" smtClean="0"/>
+              <a:t>Feature Extraction</a:t>
+            </a:r>
+          </a:p>
+          <a:p>
+            <a:r>
+              <a:rPr lang="en-US" dirty="0" smtClean="0"/>
+              <a:t>AU Recognition</a:t>
+            </a:r>
+          </a:p>
+          <a:p>
+            <a:r>
+              <a:rPr lang="en-US" dirty="0" smtClean="0"/>
+              <a:t>SVM Classification</a:t>
+            </a:r>
+            <a:endParaRPr lang="en-US" dirty="0"/>
+          </a:p>
+        </p:txBody>
+      </p:sp>
+      <p:pic>
+        <p:nvPicPr>
+          <p:cNvPr id="5" name="Picture 4"/>
+          <p:cNvPicPr>
+            <a:picLocks noChangeAspect="1"/>
+          </p:cNvPicPr>
+          <p:nvPr/>
+        </p:nvPicPr>
+        <p:blipFill>
+          <a:blip r:embed="rId2" cstate="print">
+            <a:extLst>
+              <a:ext uri="{28A0092B-C50C-407E-A947-70E740481C1C}">
+                <a14:useLocalDpi xmlns:a14="http://schemas.microsoft.com/office/drawing/2010/main" val="0"/>
+              </a:ext>
+            </a:extLst>
+          </a:blip>
+          <a:stretch>
+            <a:fillRect/>
+          </a:stretch>
+        </p:blipFill>
+        <p:spPr>
+          <a:xfrm>
+            <a:off x="4505498" y="1690688"/>
+            <a:ext cx="6848302" cy="1479284"/>
+          </a:xfrm>
+          <a:prstGeom prst="rect">
+            <a:avLst/>
+          </a:prstGeom>
+        </p:spPr>
+      </p:pic>
+    </p:spTree>
+    <p:extLst>
+      <p:ext uri="{BB962C8B-B14F-4D97-AF65-F5344CB8AC3E}">
+        <p14:creationId xmlns:p14="http://schemas.microsoft.com/office/powerpoint/2010/main" val="3756679306"/>
+      </p:ext>
+    </p:extLst>
+  </p:cSld>
+  <p:clrMapOvr>
+    <a:masterClrMapping/>
+  </p:clrMapOvr>
+</p:sld>
+</file>
+
+<file path=ppt/slides/slide8.xml><?xml version="1.0" encoding="utf-8"?>
+<p:sld xmlns:a="http://schemas.openxmlformats.org/drawingml/2006/main" xmlns:r="http://schemas.openxmlformats.org/officeDocument/2006/relationships" xmlns:p="http://schemas.openxmlformats.org/presentationml/2006/main">
+  <p:cSld>
+    <p:spTree>
+      <p:nvGrpSpPr>
+        <p:cNvPr id="1" name=""/>
+        <p:cNvGrpSpPr/>
+        <p:nvPr/>
+      </p:nvGrpSpPr>
+      <p:grpSpPr>
+        <a:xfrm>
+          <a:off x="0" y="0"/>
+          <a:ext cx="0" cy="0"/>
+          <a:chOff x="0" y="0"/>
+          <a:chExt cx="0" cy="0"/>
+        </a:xfrm>
+      </p:grpSpPr>
+      <p:sp>
+        <p:nvSpPr>
+          <p:cNvPr id="2" name="Title 1"/>
+          <p:cNvSpPr>
+            <a:spLocks noGrp="1"/>
+          </p:cNvSpPr>
+          <p:nvPr>
+            <p:ph type="title"/>
+          </p:nvPr>
+        </p:nvSpPr>
+        <p:spPr/>
+        <p:txBody>
+          <a:bodyPr/>
+          <a:lstStyle/>
+          <a:p>
+            <a:r>
+              <a:rPr lang="en-US" dirty="0" smtClean="0"/>
+              <a:t>Video Dataset</a:t>
+            </a:r>
+            <a:endParaRPr lang="en-US" dirty="0"/>
+          </a:p>
+        </p:txBody>
+      </p:sp>
+      <p:sp>
+        <p:nvSpPr>
+          <p:cNvPr id="3" name="Content Placeholder 2"/>
+          <p:cNvSpPr>
+            <a:spLocks noGrp="1"/>
+          </p:cNvSpPr>
+          <p:nvPr>
+            <p:ph idx="1"/>
+          </p:nvPr>
+        </p:nvSpPr>
+        <p:spPr/>
+        <p:txBody>
+          <a:bodyPr>
+            <a:normAutofit fontScale="92500" lnSpcReduction="10000"/>
+          </a:bodyPr>
+          <a:lstStyle/>
+          <a:p>
+            <a:r>
+              <a:rPr lang="en-US" dirty="0" smtClean="0"/>
+              <a:t>Real life trial videos. </a:t>
+            </a:r>
+            <a:r>
+              <a:rPr lang="en-US" i="1" dirty="0" smtClean="0"/>
+              <a:t>High stakes.</a:t>
+            </a:r>
+          </a:p>
+          <a:p>
+            <a:r>
+              <a:rPr lang="en-US" dirty="0" smtClean="0"/>
+              <a:t>121 videos.</a:t>
+            </a:r>
+          </a:p>
+          <a:p>
+            <a:pPr lvl="1"/>
+            <a:r>
+              <a:rPr lang="en-US" dirty="0" smtClean="0"/>
+              <a:t>61 deceptive.</a:t>
+            </a:r>
+          </a:p>
+          <a:p>
+            <a:pPr lvl="1"/>
+            <a:r>
+              <a:rPr lang="en-US" dirty="0" smtClean="0"/>
+              <a:t>60 truthful.</a:t>
+            </a:r>
+          </a:p>
+          <a:p>
+            <a:r>
+              <a:rPr lang="en-US" dirty="0" smtClean="0"/>
+              <a:t>Defendant </a:t>
+            </a:r>
+            <a:r>
+              <a:rPr lang="en-US" dirty="0"/>
+              <a:t>or witness </a:t>
+            </a:r>
+            <a:r>
+              <a:rPr lang="en-US" dirty="0" smtClean="0"/>
+              <a:t>can </a:t>
+            </a:r>
+            <a:r>
+              <a:rPr lang="en-US" dirty="0"/>
+              <a:t>be clearly </a:t>
+            </a:r>
+            <a:r>
+              <a:rPr lang="en-US" dirty="0" smtClean="0"/>
+              <a:t>identified.</a:t>
+            </a:r>
+          </a:p>
+          <a:p>
+            <a:r>
+              <a:rPr lang="en-US" dirty="0" smtClean="0"/>
+              <a:t>Three </a:t>
+            </a:r>
+            <a:r>
+              <a:rPr lang="en-US" dirty="0"/>
+              <a:t>outcomes </a:t>
+            </a:r>
+            <a:r>
+              <a:rPr lang="en-US" dirty="0" smtClean="0"/>
+              <a:t>to </a:t>
+            </a:r>
+            <a:r>
+              <a:rPr lang="en-US" dirty="0"/>
+              <a:t>label the videos as deceptive or </a:t>
+            </a:r>
+            <a:r>
+              <a:rPr lang="en-US" dirty="0" smtClean="0"/>
+              <a:t>truthful.</a:t>
+            </a:r>
+          </a:p>
+          <a:p>
+            <a:pPr lvl="1"/>
+            <a:r>
+              <a:rPr lang="en-US" dirty="0" smtClean="0"/>
+              <a:t>Guilty.</a:t>
+            </a:r>
+          </a:p>
+          <a:p>
+            <a:pPr lvl="1"/>
+            <a:r>
+              <a:rPr lang="en-US" dirty="0" smtClean="0"/>
+              <a:t>Non-guilty.</a:t>
+            </a:r>
+          </a:p>
+          <a:p>
+            <a:pPr lvl="1"/>
+            <a:r>
+              <a:rPr lang="en-US" dirty="0" smtClean="0"/>
+              <a:t>Exonerated (reversal of the sentence).</a:t>
+            </a:r>
+          </a:p>
+          <a:p>
+            <a:r>
+              <a:rPr lang="en-US" dirty="0" smtClean="0"/>
+              <a:t>Testimony were verified by police officers.</a:t>
+            </a:r>
+          </a:p>
+          <a:p>
+            <a:r>
+              <a:rPr lang="en-US" dirty="0" smtClean="0"/>
+              <a:t>Work on cutting and removing videos.</a:t>
+            </a:r>
+          </a:p>
+        </p:txBody>
+      </p:sp>
+      <p:pic>
+        <p:nvPicPr>
+          <p:cNvPr id="4" name="Picture 3"/>
+          <p:cNvPicPr>
+            <a:picLocks noChangeAspect="1"/>
+          </p:cNvPicPr>
+          <p:nvPr/>
+        </p:nvPicPr>
+        <p:blipFill>
+          <a:blip r:embed="rId2" cstate="print">
+            <a:extLst>
+              <a:ext uri="{28A0092B-C50C-407E-A947-70E740481C1C}">
+                <a14:useLocalDpi xmlns:a14="http://schemas.microsoft.com/office/drawing/2010/main" val="0"/>
+              </a:ext>
+            </a:extLst>
+          </a:blip>
+          <a:stretch>
+            <a:fillRect/>
+          </a:stretch>
+        </p:blipFill>
+        <p:spPr>
+          <a:xfrm>
+            <a:off x="7422427" y="4348163"/>
+            <a:ext cx="3931373" cy="1828800"/>
+          </a:xfrm>
+          <a:prstGeom prst="rect">
+            <a:avLst/>
+          </a:prstGeom>
+        </p:spPr>
+      </p:pic>
+    </p:spTree>
+    <p:extLst>
+      <p:ext uri="{BB962C8B-B14F-4D97-AF65-F5344CB8AC3E}">
+        <p14:creationId xmlns:p14="http://schemas.microsoft.com/office/powerpoint/2010/main" val="3684845686"/>
+      </p:ext>
+    </p:extLst>
+  </p:cSld>
+  <p:clrMapOvr>
+    <a:masterClrMapping/>
+  </p:clrMapOvr>
+</p:sld>
+</file>
+
+<file path=ppt/slides/slide9.xml><?xml version="1.0" encoding="utf-8"?>
+<p:sld xmlns:a="http://schemas.openxmlformats.org/drawingml/2006/main" xmlns:r="http://schemas.openxmlformats.org/officeDocument/2006/relationships" xmlns:p="http://schemas.openxmlformats.org/presentationml/2006/main">
+  <p:cSld>
+    <p:spTree>
+      <p:nvGrpSpPr>
+        <p:cNvPr id="1" name=""/>
+        <p:cNvGrpSpPr/>
+        <p:nvPr/>
+      </p:nvGrpSpPr>
+      <p:grpSpPr>
+        <a:xfrm>
+          <a:off x="0" y="0"/>
+          <a:ext cx="0" cy="0"/>
+          <a:chOff x="0" y="0"/>
+          <a:chExt cx="0" cy="0"/>
+        </a:xfrm>
+      </p:grpSpPr>
+      <p:sp>
+        <p:nvSpPr>
+          <p:cNvPr id="2" name="Title 1"/>
+          <p:cNvSpPr>
+            <a:spLocks noGrp="1"/>
+          </p:cNvSpPr>
+          <p:nvPr>
+            <p:ph type="title"/>
+          </p:nvPr>
+        </p:nvSpPr>
+        <p:spPr/>
+        <p:txBody>
+          <a:bodyPr/>
+          <a:lstStyle/>
+          <a:p>
+            <a:r>
+              <a:rPr lang="en-US" dirty="0" smtClean="0"/>
+              <a:t>Landmark Detection</a:t>
+            </a:r>
+            <a:endParaRPr lang="en-US" dirty="0"/>
+          </a:p>
+        </p:txBody>
+      </p:sp>
+      <p:sp>
+        <p:nvSpPr>
+          <p:cNvPr id="3" name="Content Placeholder 2"/>
+          <p:cNvSpPr>
+            <a:spLocks noGrp="1"/>
+          </p:cNvSpPr>
+          <p:nvPr>
+            <p:ph idx="1"/>
+          </p:nvPr>
+        </p:nvSpPr>
+        <p:spPr/>
+        <p:txBody>
+          <a:bodyPr>
+            <a:normAutofit fontScale="85000" lnSpcReduction="20000"/>
+          </a:bodyPr>
+          <a:lstStyle/>
+          <a:p>
+            <a:r>
+              <a:rPr lang="en-US" i="1" dirty="0"/>
+              <a:t>Model based </a:t>
+            </a:r>
+            <a:r>
+              <a:rPr lang="en-US" dirty="0" smtClean="0"/>
+              <a:t>approach model </a:t>
+            </a:r>
+            <a:r>
+              <a:rPr lang="en-US" dirty="0"/>
+              <a:t>both appearance and shape of facial landmarks explicitly with the </a:t>
+            </a:r>
+            <a:r>
+              <a:rPr lang="en-US" dirty="0" smtClean="0"/>
+              <a:t>latter constraining </a:t>
+            </a:r>
+            <a:r>
+              <a:rPr lang="en-US" dirty="0"/>
+              <a:t>the search space and providing a form of regularization</a:t>
+            </a:r>
+            <a:r>
+              <a:rPr lang="en-US" dirty="0"/>
+              <a:t> </a:t>
+            </a:r>
+          </a:p>
+          <a:p>
+            <a:r>
+              <a:rPr lang="en-US" dirty="0" smtClean="0"/>
+              <a:t>Local detector:</a:t>
+            </a:r>
+            <a:r>
+              <a:rPr lang="en-US" dirty="0"/>
+              <a:t> Convolutional Experts Network </a:t>
+            </a:r>
+            <a:r>
+              <a:rPr lang="en-US" dirty="0" smtClean="0"/>
+              <a:t>(CEN).</a:t>
+            </a:r>
+          </a:p>
+          <a:p>
+            <a:r>
+              <a:rPr lang="en-US" dirty="0" smtClean="0"/>
+              <a:t>Convolutional Experts </a:t>
+            </a:r>
+            <a:r>
+              <a:rPr lang="en-US" dirty="0"/>
+              <a:t>Constrained Local Model (CE-CLM)</a:t>
+            </a:r>
+            <a:r>
+              <a:rPr lang="en-US" dirty="0"/>
+              <a:t> </a:t>
+            </a:r>
+            <a:endParaRPr lang="en-US" dirty="0" smtClean="0"/>
+          </a:p>
+          <a:p>
+            <a:pPr lvl="1"/>
+            <a:r>
+              <a:rPr lang="en-US" dirty="0" smtClean="0"/>
+              <a:t>Convolutional </a:t>
+            </a:r>
+            <a:r>
+              <a:rPr lang="en-US" dirty="0"/>
+              <a:t>Experts Network</a:t>
+            </a:r>
+            <a:r>
+              <a:rPr lang="en-US" dirty="0" smtClean="0"/>
+              <a:t> as local detector</a:t>
+            </a:r>
+          </a:p>
+          <a:p>
+            <a:pPr lvl="2"/>
+            <a:r>
+              <a:rPr lang="en-US" dirty="0" smtClean="0"/>
+              <a:t>Individual landmark </a:t>
+            </a:r>
+            <a:r>
+              <a:rPr lang="en-US" dirty="0"/>
+              <a:t>alignment is estimated independently of the </a:t>
+            </a:r>
+            <a:r>
+              <a:rPr lang="en-US" dirty="0" smtClean="0"/>
+              <a:t>pos</a:t>
+            </a:r>
+            <a:r>
+              <a:rPr lang="en-US" dirty="0"/>
+              <a:t>i</a:t>
+            </a:r>
+            <a:r>
+              <a:rPr lang="en-US" dirty="0" smtClean="0"/>
+              <a:t>tion </a:t>
+            </a:r>
+            <a:r>
+              <a:rPr lang="en-US" dirty="0"/>
+              <a:t>of other landmarks. </a:t>
+            </a:r>
+            <a:endParaRPr lang="en-US" dirty="0" smtClean="0"/>
+          </a:p>
+          <a:p>
+            <a:pPr lvl="2"/>
+            <a:r>
+              <a:rPr lang="en-US" dirty="0" smtClean="0"/>
+              <a:t>During </a:t>
+            </a:r>
+            <a:r>
+              <a:rPr lang="en-US" dirty="0"/>
+              <a:t>the parameter update, </a:t>
+            </a:r>
+            <a:r>
+              <a:rPr lang="en-US" dirty="0" smtClean="0"/>
+              <a:t>the positions </a:t>
+            </a:r>
+            <a:r>
+              <a:rPr lang="en-US" dirty="0"/>
+              <a:t>of all landmarks are updated jointly and penalized</a:t>
+            </a:r>
+            <a:br>
+              <a:rPr lang="en-US" dirty="0"/>
+            </a:br>
+            <a:r>
+              <a:rPr lang="en-US" dirty="0"/>
+              <a:t>for misaligned landmarks and irregular shapes using a </a:t>
+            </a:r>
+            <a:r>
+              <a:rPr lang="en-US" dirty="0" smtClean="0"/>
+              <a:t>point distribution </a:t>
+            </a:r>
+            <a:r>
+              <a:rPr lang="en-US"/>
+              <a:t>model</a:t>
+            </a:r>
+            <a:r>
+              <a:rPr lang="en-US"/>
+              <a:t> </a:t>
+            </a:r>
+            <a:endParaRPr lang="en-US" dirty="0" smtClean="0"/>
+          </a:p>
+          <a:p>
+            <a:pPr lvl="1"/>
+            <a:r>
+              <a:rPr lang="en-US" dirty="0" smtClean="0"/>
+              <a:t>Constrained Local Model for shape parameter update</a:t>
+            </a:r>
+          </a:p>
+          <a:p>
+            <a:r>
+              <a:rPr lang="en-US" dirty="0" smtClean="0"/>
+              <a:t>Two Phases</a:t>
+            </a:r>
+          </a:p>
+          <a:p>
+            <a:pPr lvl="1"/>
+            <a:r>
+              <a:rPr lang="en-US" dirty="0" smtClean="0"/>
+              <a:t>Response map </a:t>
+            </a:r>
+            <a:r>
+              <a:rPr lang="en-US" dirty="0"/>
+              <a:t>computation using Convolutional Experts </a:t>
+            </a:r>
+            <a:r>
+              <a:rPr lang="en-US" dirty="0" smtClean="0"/>
+              <a:t>Network</a:t>
+            </a:r>
+          </a:p>
+          <a:p>
+            <a:pPr lvl="1"/>
+            <a:r>
+              <a:rPr lang="en-US" dirty="0" smtClean="0"/>
+              <a:t>Shape </a:t>
+            </a:r>
+            <a:r>
+              <a:rPr lang="en-US" dirty="0"/>
+              <a:t>parameter update</a:t>
+            </a:r>
+            <a:r>
+              <a:rPr lang="en-US" dirty="0"/>
+              <a:t> </a:t>
+            </a:r>
+            <a:br>
+              <a:rPr lang="en-US" dirty="0"/>
+            </a:br>
+            <a:r>
+              <a:rPr lang="en-US" dirty="0"/>
+              <a:t/>
+            </a:r>
+            <a:br>
+              <a:rPr lang="en-US" dirty="0"/>
+            </a:br>
+            <a:endParaRPr lang="en-US" dirty="0" smtClean="0"/>
+          </a:p>
+          <a:p>
+            <a:endParaRPr lang="en-US" dirty="0"/>
+          </a:p>
+        </p:txBody>
+      </p:sp>
+      <p:pic>
+        <p:nvPicPr>
+          <p:cNvPr id="4" name="Picture 3"/>
+          <p:cNvPicPr>
+            <a:picLocks noChangeAspect="1"/>
+          </p:cNvPicPr>
+          <p:nvPr/>
+        </p:nvPicPr>
+        <p:blipFill>
+          <a:blip r:embed="rId2"/>
+          <a:stretch>
+            <a:fillRect/>
+          </a:stretch>
+        </p:blipFill>
+        <p:spPr>
+          <a:xfrm>
+            <a:off x="5958415" y="500649"/>
+            <a:ext cx="4856443" cy="1324976"/>
+          </a:xfrm>
+          <a:prstGeom prst="rect">
+            <a:avLst/>
+          </a:prstGeom>
+        </p:spPr>
+      </p:pic>
+    </p:spTree>
+    <p:extLst>
+      <p:ext uri="{BB962C8B-B14F-4D97-AF65-F5344CB8AC3E}">
+        <p14:creationId xmlns:p14="http://schemas.microsoft.com/office/powerpoint/2010/main" val="1399316977"/>
       </p:ext>
     </p:extLst>
   </p:cSld>

--- a/Deception Detection using Facial Action Units.pptx
+++ b/Deception Detection using Facial Action Units.pptx
@@ -14,6 +14,10 @@
     <p:sldId id="263" r:id="rId8"/>
     <p:sldId id="264" r:id="rId9"/>
     <p:sldId id="265" r:id="rId10"/>
+    <p:sldId id="268" r:id="rId11"/>
+    <p:sldId id="269" r:id="rId12"/>
+    <p:sldId id="266" r:id="rId13"/>
+    <p:sldId id="267" r:id="rId14"/>
   </p:sldIdLst>
   <p:sldSz cx="12192000" cy="6858000"/>
   <p:notesSz cx="6858000" cy="9144000"/>
@@ -251,7 +255,7 @@
           <a:p>
             <a:fld id="{E2871C63-F475-4904-B730-D2EF70A0C39F}" type="datetimeFigureOut">
               <a:rPr lang="en-US" smtClean="0"/>
-              <a:t>12/14/2018</a:t>
+              <a:t>12/17/18</a:t>
             </a:fld>
             <a:endParaRPr lang="en-US"/>
           </a:p>
@@ -421,7 +425,7 @@
           <a:p>
             <a:fld id="{E2871C63-F475-4904-B730-D2EF70A0C39F}" type="datetimeFigureOut">
               <a:rPr lang="en-US" smtClean="0"/>
-              <a:t>12/14/2018</a:t>
+              <a:t>12/17/18</a:t>
             </a:fld>
             <a:endParaRPr lang="en-US"/>
           </a:p>
@@ -601,7 +605,7 @@
           <a:p>
             <a:fld id="{E2871C63-F475-4904-B730-D2EF70A0C39F}" type="datetimeFigureOut">
               <a:rPr lang="en-US" smtClean="0"/>
-              <a:t>12/14/2018</a:t>
+              <a:t>12/17/18</a:t>
             </a:fld>
             <a:endParaRPr lang="en-US"/>
           </a:p>
@@ -771,7 +775,7 @@
           <a:p>
             <a:fld id="{E2871C63-F475-4904-B730-D2EF70A0C39F}" type="datetimeFigureOut">
               <a:rPr lang="en-US" smtClean="0"/>
-              <a:t>12/14/2018</a:t>
+              <a:t>12/17/18</a:t>
             </a:fld>
             <a:endParaRPr lang="en-US"/>
           </a:p>
@@ -1017,7 +1021,7 @@
           <a:p>
             <a:fld id="{E2871C63-F475-4904-B730-D2EF70A0C39F}" type="datetimeFigureOut">
               <a:rPr lang="en-US" smtClean="0"/>
-              <a:t>12/14/2018</a:t>
+              <a:t>12/17/18</a:t>
             </a:fld>
             <a:endParaRPr lang="en-US"/>
           </a:p>
@@ -1249,7 +1253,7 @@
           <a:p>
             <a:fld id="{E2871C63-F475-4904-B730-D2EF70A0C39F}" type="datetimeFigureOut">
               <a:rPr lang="en-US" smtClean="0"/>
-              <a:t>12/14/2018</a:t>
+              <a:t>12/17/18</a:t>
             </a:fld>
             <a:endParaRPr lang="en-US"/>
           </a:p>
@@ -1616,7 +1620,7 @@
           <a:p>
             <a:fld id="{E2871C63-F475-4904-B730-D2EF70A0C39F}" type="datetimeFigureOut">
               <a:rPr lang="en-US" smtClean="0"/>
-              <a:t>12/14/2018</a:t>
+              <a:t>12/17/18</a:t>
             </a:fld>
             <a:endParaRPr lang="en-US"/>
           </a:p>
@@ -1734,7 +1738,7 @@
           <a:p>
             <a:fld id="{E2871C63-F475-4904-B730-D2EF70A0C39F}" type="datetimeFigureOut">
               <a:rPr lang="en-US" smtClean="0"/>
-              <a:t>12/14/2018</a:t>
+              <a:t>12/17/18</a:t>
             </a:fld>
             <a:endParaRPr lang="en-US"/>
           </a:p>
@@ -1829,7 +1833,7 @@
           <a:p>
             <a:fld id="{E2871C63-F475-4904-B730-D2EF70A0C39F}" type="datetimeFigureOut">
               <a:rPr lang="en-US" smtClean="0"/>
-              <a:t>12/14/2018</a:t>
+              <a:t>12/17/18</a:t>
             </a:fld>
             <a:endParaRPr lang="en-US"/>
           </a:p>
@@ -2106,7 +2110,7 @@
           <a:p>
             <a:fld id="{E2871C63-F475-4904-B730-D2EF70A0C39F}" type="datetimeFigureOut">
               <a:rPr lang="en-US" smtClean="0"/>
-              <a:t>12/14/2018</a:t>
+              <a:t>12/17/18</a:t>
             </a:fld>
             <a:endParaRPr lang="en-US"/>
           </a:p>
@@ -2359,7 +2363,7 @@
           <a:p>
             <a:fld id="{E2871C63-F475-4904-B730-D2EF70A0C39F}" type="datetimeFigureOut">
               <a:rPr lang="en-US" smtClean="0"/>
-              <a:t>12/14/2018</a:t>
+              <a:t>12/17/18</a:t>
             </a:fld>
             <a:endParaRPr lang="en-US"/>
           </a:p>
@@ -2572,7 +2576,7 @@
           <a:p>
             <a:fld id="{E2871C63-F475-4904-B730-D2EF70A0C39F}" type="datetimeFigureOut">
               <a:rPr lang="en-US" smtClean="0"/>
-              <a:t>12/14/2018</a:t>
+              <a:t>12/17/18</a:t>
             </a:fld>
             <a:endParaRPr lang="en-US"/>
           </a:p>
@@ -3077,6 +3081,561 @@
 </p:sld>
 </file>
 
+<file path=ppt/slides/slide10.xml><?xml version="1.0" encoding="utf-8"?>
+<p:sld xmlns:a="http://schemas.openxmlformats.org/drawingml/2006/main" xmlns:r="http://schemas.openxmlformats.org/officeDocument/2006/relationships" xmlns:p="http://schemas.openxmlformats.org/presentationml/2006/main">
+  <p:cSld>
+    <p:spTree>
+      <p:nvGrpSpPr>
+        <p:cNvPr id="1" name=""/>
+        <p:cNvGrpSpPr/>
+        <p:nvPr/>
+      </p:nvGrpSpPr>
+      <p:grpSpPr>
+        <a:xfrm>
+          <a:off x="0" y="0"/>
+          <a:ext cx="0" cy="0"/>
+          <a:chOff x="0" y="0"/>
+          <a:chExt cx="0" cy="0"/>
+        </a:xfrm>
+      </p:grpSpPr>
+      <p:sp>
+        <p:nvSpPr>
+          <p:cNvPr id="2" name="Title 1"/>
+          <p:cNvSpPr>
+            <a:spLocks noGrp="1"/>
+          </p:cNvSpPr>
+          <p:nvPr>
+            <p:ph type="title"/>
+          </p:nvPr>
+        </p:nvSpPr>
+        <p:spPr/>
+        <p:txBody>
+          <a:bodyPr/>
+          <a:lstStyle/>
+          <a:p>
+            <a:endParaRPr lang="en-US"/>
+          </a:p>
+        </p:txBody>
+      </p:sp>
+      <p:sp>
+        <p:nvSpPr>
+          <p:cNvPr id="3" name="Content Placeholder 2"/>
+          <p:cNvSpPr>
+            <a:spLocks noGrp="1"/>
+          </p:cNvSpPr>
+          <p:nvPr>
+            <p:ph idx="1"/>
+          </p:nvPr>
+        </p:nvSpPr>
+        <p:spPr/>
+        <p:txBody>
+          <a:bodyPr/>
+          <a:lstStyle/>
+          <a:p>
+            <a:endParaRPr lang="en-US"/>
+          </a:p>
+        </p:txBody>
+      </p:sp>
+    </p:spTree>
+    <p:extLst>
+      <p:ext uri="{BB962C8B-B14F-4D97-AF65-F5344CB8AC3E}">
+        <p14:creationId xmlns:p14="http://schemas.microsoft.com/office/powerpoint/2010/main" val="834923780"/>
+      </p:ext>
+    </p:extLst>
+  </p:cSld>
+  <p:clrMapOvr>
+    <a:masterClrMapping/>
+  </p:clrMapOvr>
+</p:sld>
+</file>
+
+<file path=ppt/slides/slide11.xml><?xml version="1.0" encoding="utf-8"?>
+<p:sld xmlns:a="http://schemas.openxmlformats.org/drawingml/2006/main" xmlns:r="http://schemas.openxmlformats.org/officeDocument/2006/relationships" xmlns:p="http://schemas.openxmlformats.org/presentationml/2006/main">
+  <p:cSld>
+    <p:spTree>
+      <p:nvGrpSpPr>
+        <p:cNvPr id="1" name=""/>
+        <p:cNvGrpSpPr/>
+        <p:nvPr/>
+      </p:nvGrpSpPr>
+      <p:grpSpPr>
+        <a:xfrm>
+          <a:off x="0" y="0"/>
+          <a:ext cx="0" cy="0"/>
+          <a:chOff x="0" y="0"/>
+          <a:chExt cx="0" cy="0"/>
+        </a:xfrm>
+      </p:grpSpPr>
+      <p:sp>
+        <p:nvSpPr>
+          <p:cNvPr id="2" name="Title 1"/>
+          <p:cNvSpPr>
+            <a:spLocks noGrp="1"/>
+          </p:cNvSpPr>
+          <p:nvPr>
+            <p:ph type="title"/>
+          </p:nvPr>
+        </p:nvSpPr>
+        <p:spPr/>
+        <p:txBody>
+          <a:bodyPr/>
+          <a:lstStyle/>
+          <a:p>
+            <a:r>
+              <a:rPr lang="en-US" dirty="0" smtClean="0"/>
+              <a:t>Action Unit Detection</a:t>
+            </a:r>
+            <a:endParaRPr lang="en-US" dirty="0"/>
+          </a:p>
+        </p:txBody>
+      </p:sp>
+      <p:sp>
+        <p:nvSpPr>
+          <p:cNvPr id="3" name="Content Placeholder 2"/>
+          <p:cNvSpPr>
+            <a:spLocks noGrp="1"/>
+          </p:cNvSpPr>
+          <p:nvPr>
+            <p:ph idx="1"/>
+          </p:nvPr>
+        </p:nvSpPr>
+        <p:spPr/>
+        <p:txBody>
+          <a:bodyPr/>
+          <a:lstStyle/>
+          <a:p>
+            <a:r>
+              <a:rPr lang="en-US" dirty="0" smtClean="0"/>
+              <a:t>Trained on </a:t>
+            </a:r>
+            <a:r>
+              <a:rPr lang="en-US" dirty="0"/>
+              <a:t>four dataset: ﻿</a:t>
+            </a:r>
+            <a:r>
+              <a:rPr lang="en-US" dirty="0" smtClean="0"/>
+              <a:t>DISFA, BP4D-Spontaneous, </a:t>
+            </a:r>
+            <a:r>
+              <a:rPr lang="en-US" dirty="0"/>
+              <a:t>SEMAINE </a:t>
+            </a:r>
+            <a:r>
+              <a:rPr lang="en-US" dirty="0" smtClean="0"/>
+              <a:t>and </a:t>
+            </a:r>
+            <a:r>
+              <a:rPr lang="en-US" dirty="0"/>
+              <a:t>CK</a:t>
+            </a:r>
+            <a:r>
+              <a:rPr lang="en-US" dirty="0" smtClean="0"/>
+              <a:t>+. </a:t>
+            </a:r>
+          </a:p>
+          <a:p>
+            <a:r>
+              <a:rPr lang="en-US" dirty="0" smtClean="0"/>
+              <a:t>Datasets consist </a:t>
+            </a:r>
+            <a:r>
+              <a:rPr lang="en-US" dirty="0"/>
+              <a:t>of videos of people subject to emotion inducing tasks</a:t>
+            </a:r>
+            <a:r>
+              <a:rPr lang="en-US" dirty="0" smtClean="0"/>
+              <a:t>.</a:t>
+            </a:r>
+            <a:endParaRPr lang="en-US" dirty="0"/>
+          </a:p>
+          <a:p>
+            <a:r>
+              <a:rPr lang="en-US" dirty="0"/>
+              <a:t>﻿BP4D, SEMAINE and DISFA have three AUs in </a:t>
+            </a:r>
+            <a:r>
+              <a:rPr lang="en-US" dirty="0" smtClean="0"/>
+              <a:t>common: 2</a:t>
+            </a:r>
+            <a:r>
+              <a:rPr lang="en-US" dirty="0"/>
+              <a:t>, 12, and </a:t>
+            </a:r>
+            <a:r>
+              <a:rPr lang="en-US" dirty="0" smtClean="0"/>
+              <a:t>17.</a:t>
+            </a:r>
+          </a:p>
+          <a:p>
+            <a:r>
+              <a:rPr lang="en-US" dirty="0" smtClean="0"/>
+              <a:t>SEMAINE </a:t>
+            </a:r>
+            <a:r>
+              <a:rPr lang="en-US" dirty="0"/>
+              <a:t>and DISFA share AUs 2, 12, 17, 25. </a:t>
+            </a:r>
+          </a:p>
+          <a:p>
+            <a:r>
+              <a:rPr lang="en-US" dirty="0" smtClean="0"/>
+              <a:t>BP4D </a:t>
+            </a:r>
+            <a:r>
+              <a:rPr lang="en-US" dirty="0"/>
+              <a:t>and DISFA share AUs 1, 2, 4, 6, 12, 15, 17. </a:t>
+            </a:r>
+          </a:p>
+        </p:txBody>
+      </p:sp>
+      <p:pic>
+        <p:nvPicPr>
+          <p:cNvPr id="4" name="Picture 3"/>
+          <p:cNvPicPr>
+            <a:picLocks noChangeAspect="1"/>
+          </p:cNvPicPr>
+          <p:nvPr/>
+        </p:nvPicPr>
+        <p:blipFill>
+          <a:blip r:embed="rId2"/>
+          <a:stretch>
+            <a:fillRect/>
+          </a:stretch>
+        </p:blipFill>
+        <p:spPr>
+          <a:xfrm>
+            <a:off x="8042766" y="1266091"/>
+            <a:ext cx="3311034" cy="3964075"/>
+          </a:xfrm>
+          <a:prstGeom prst="rect">
+            <a:avLst/>
+          </a:prstGeom>
+        </p:spPr>
+      </p:pic>
+    </p:spTree>
+    <p:extLst>
+      <p:ext uri="{BB962C8B-B14F-4D97-AF65-F5344CB8AC3E}">
+        <p14:creationId xmlns:p14="http://schemas.microsoft.com/office/powerpoint/2010/main" val="621334751"/>
+      </p:ext>
+    </p:extLst>
+  </p:cSld>
+  <p:clrMapOvr>
+    <a:masterClrMapping/>
+  </p:clrMapOvr>
+</p:sld>
+</file>
+
+<file path=ppt/slides/slide12.xml><?xml version="1.0" encoding="utf-8"?>
+<p:sld xmlns:a="http://schemas.openxmlformats.org/drawingml/2006/main" xmlns:r="http://schemas.openxmlformats.org/officeDocument/2006/relationships" xmlns:p="http://schemas.openxmlformats.org/presentationml/2006/main">
+  <p:cSld>
+    <p:spTree>
+      <p:nvGrpSpPr>
+        <p:cNvPr id="1" name=""/>
+        <p:cNvGrpSpPr/>
+        <p:nvPr/>
+      </p:nvGrpSpPr>
+      <p:grpSpPr>
+        <a:xfrm>
+          <a:off x="0" y="0"/>
+          <a:ext cx="0" cy="0"/>
+          <a:chOff x="0" y="0"/>
+          <a:chExt cx="0" cy="0"/>
+        </a:xfrm>
+      </p:grpSpPr>
+      <p:sp>
+        <p:nvSpPr>
+          <p:cNvPr id="2" name="Title 1"/>
+          <p:cNvSpPr>
+            <a:spLocks noGrp="1"/>
+          </p:cNvSpPr>
+          <p:nvPr>
+            <p:ph type="title"/>
+          </p:nvPr>
+        </p:nvSpPr>
+        <p:spPr/>
+        <p:txBody>
+          <a:bodyPr/>
+          <a:lstStyle/>
+          <a:p>
+            <a:r>
+              <a:rPr lang="en-US" dirty="0" smtClean="0"/>
+              <a:t>Action Unit Detection</a:t>
+            </a:r>
+            <a:endParaRPr lang="en-US" dirty="0"/>
+          </a:p>
+        </p:txBody>
+      </p:sp>
+      <p:sp>
+        <p:nvSpPr>
+          <p:cNvPr id="3" name="Content Placeholder 2"/>
+          <p:cNvSpPr>
+            <a:spLocks noGrp="1"/>
+          </p:cNvSpPr>
+          <p:nvPr>
+            <p:ph idx="1"/>
+          </p:nvPr>
+        </p:nvSpPr>
+        <p:spPr/>
+        <p:txBody>
+          <a:bodyPr/>
+          <a:lstStyle/>
+          <a:p>
+            <a:r>
+              <a:rPr lang="en-US" dirty="0" smtClean="0"/>
+              <a:t>Feature Extraction</a:t>
+            </a:r>
+          </a:p>
+          <a:p>
+            <a:pPr lvl="1"/>
+            <a:r>
+              <a:rPr lang="en-US" dirty="0" smtClean="0"/>
+              <a:t>Appearance Features: Histogram of Oriented Gradients.</a:t>
+            </a:r>
+          </a:p>
+          <a:p>
+            <a:pPr lvl="1"/>
+            <a:r>
+              <a:rPr lang="en-US" dirty="0" smtClean="0"/>
+              <a:t>Geometry Features: Landmark Location and Shape parameters.</a:t>
+            </a:r>
+          </a:p>
+          <a:p>
+            <a:r>
+              <a:rPr lang="en-US" dirty="0" smtClean="0"/>
+              <a:t>Alignment and Masking</a:t>
+            </a:r>
+          </a:p>
+          <a:p>
+            <a:pPr lvl="1"/>
+            <a:r>
+              <a:rPr lang="en-US" dirty="0" smtClean="0"/>
+              <a:t>Need for a mapping to a common reference frame.</a:t>
+            </a:r>
+          </a:p>
+          <a:p>
+            <a:pPr lvl="1"/>
+            <a:r>
+              <a:rPr lang="en-US" dirty="0"/>
+              <a:t>﻿</a:t>
+            </a:r>
+            <a:r>
+              <a:rPr lang="en-US" dirty="0" smtClean="0"/>
+              <a:t>Similarity </a:t>
+            </a:r>
+            <a:r>
+              <a:rPr lang="en-US" dirty="0"/>
+              <a:t>transform from the currently detected landmarks to a representation of frontal landmarks from a neutral </a:t>
+            </a:r>
+            <a:r>
+              <a:rPr lang="en-US" dirty="0" smtClean="0"/>
+              <a:t>expression</a:t>
+            </a:r>
+          </a:p>
+          <a:p>
+            <a:pPr lvl="1"/>
+            <a:r>
+              <a:rPr lang="en-US" dirty="0"/>
+              <a:t>﻿</a:t>
+            </a:r>
+            <a:r>
+              <a:rPr lang="en-US" dirty="0" smtClean="0"/>
+              <a:t>Masking is performed </a:t>
+            </a:r>
+            <a:r>
+              <a:rPr lang="en-US" dirty="0"/>
+              <a:t>using a convex hull surrounding the feature points</a:t>
+            </a:r>
+            <a:endParaRPr lang="en-US" dirty="0" smtClean="0"/>
+          </a:p>
+          <a:p>
+            <a:r>
+              <a:rPr lang="en-US" dirty="0" smtClean="0"/>
+              <a:t>Results in a 112x112 pixel image of the face</a:t>
+            </a:r>
+            <a:endParaRPr lang="en-US" dirty="0"/>
+          </a:p>
+        </p:txBody>
+      </p:sp>
+      <p:pic>
+        <p:nvPicPr>
+          <p:cNvPr id="4" name="Picture 3"/>
+          <p:cNvPicPr>
+            <a:picLocks noChangeAspect="1"/>
+          </p:cNvPicPr>
+          <p:nvPr/>
+        </p:nvPicPr>
+        <p:blipFill>
+          <a:blip r:embed="rId2"/>
+          <a:stretch>
+            <a:fillRect/>
+          </a:stretch>
+        </p:blipFill>
+        <p:spPr>
+          <a:xfrm>
+            <a:off x="8345924" y="5048087"/>
+            <a:ext cx="3007876" cy="1263813"/>
+          </a:xfrm>
+          <a:prstGeom prst="rect">
+            <a:avLst/>
+          </a:prstGeom>
+        </p:spPr>
+      </p:pic>
+    </p:spTree>
+    <p:extLst>
+      <p:ext uri="{BB962C8B-B14F-4D97-AF65-F5344CB8AC3E}">
+        <p14:creationId xmlns:p14="http://schemas.microsoft.com/office/powerpoint/2010/main" val="1020947290"/>
+      </p:ext>
+    </p:extLst>
+  </p:cSld>
+  <p:clrMapOvr>
+    <a:masterClrMapping/>
+  </p:clrMapOvr>
+</p:sld>
+</file>
+
+<file path=ppt/slides/slide13.xml><?xml version="1.0" encoding="utf-8"?>
+<p:sld xmlns:a="http://schemas.openxmlformats.org/drawingml/2006/main" xmlns:r="http://schemas.openxmlformats.org/officeDocument/2006/relationships" xmlns:p="http://schemas.openxmlformats.org/presentationml/2006/main">
+  <p:cSld>
+    <p:spTree>
+      <p:nvGrpSpPr>
+        <p:cNvPr id="1" name=""/>
+        <p:cNvGrpSpPr/>
+        <p:nvPr/>
+      </p:nvGrpSpPr>
+      <p:grpSpPr>
+        <a:xfrm>
+          <a:off x="0" y="0"/>
+          <a:ext cx="0" cy="0"/>
+          <a:chOff x="0" y="0"/>
+          <a:chExt cx="0" cy="0"/>
+        </a:xfrm>
+      </p:grpSpPr>
+      <p:sp>
+        <p:nvSpPr>
+          <p:cNvPr id="2" name="Title 1"/>
+          <p:cNvSpPr>
+            <a:spLocks noGrp="1"/>
+          </p:cNvSpPr>
+          <p:nvPr>
+            <p:ph type="title"/>
+          </p:nvPr>
+        </p:nvSpPr>
+        <p:spPr/>
+        <p:txBody>
+          <a:bodyPr/>
+          <a:lstStyle/>
+          <a:p>
+            <a:r>
+              <a:rPr lang="en-US" dirty="0"/>
+              <a:t>Action Unit Detection</a:t>
+            </a:r>
+          </a:p>
+        </p:txBody>
+      </p:sp>
+      <p:sp>
+        <p:nvSpPr>
+          <p:cNvPr id="3" name="Content Placeholder 2"/>
+          <p:cNvSpPr>
+            <a:spLocks noGrp="1"/>
+          </p:cNvSpPr>
+          <p:nvPr>
+            <p:ph idx="1"/>
+          </p:nvPr>
+        </p:nvSpPr>
+        <p:spPr/>
+        <p:txBody>
+          <a:bodyPr/>
+          <a:lstStyle/>
+          <a:p>
+            <a:r>
+              <a:rPr lang="en-US" dirty="0"/>
+              <a:t>﻿</a:t>
+            </a:r>
+            <a:r>
+              <a:rPr lang="en-US" dirty="0" smtClean="0"/>
+              <a:t>Appearance Features</a:t>
+            </a:r>
+          </a:p>
+          <a:p>
+            <a:pPr lvl="1"/>
+            <a:r>
+              <a:rPr lang="en-US" dirty="0" smtClean="0"/>
+              <a:t>12x12 </a:t>
+            </a:r>
+            <a:r>
+              <a:rPr lang="en-US" dirty="0"/>
+              <a:t>block of 31 dimensional Histogram of Oriented </a:t>
+            </a:r>
+            <a:r>
+              <a:rPr lang="en-US" dirty="0" smtClean="0"/>
+              <a:t>Gradients </a:t>
+            </a:r>
+            <a:r>
+              <a:rPr lang="en-US" dirty="0"/>
+              <a:t>are </a:t>
+            </a:r>
+            <a:r>
+              <a:rPr lang="en-US" dirty="0" smtClean="0"/>
+              <a:t>extracted.</a:t>
+            </a:r>
+          </a:p>
+          <a:p>
+            <a:pPr lvl="1"/>
+            <a:r>
+              <a:rPr lang="en-US" dirty="0" smtClean="0"/>
+              <a:t>4464 dimensional vector for the face.</a:t>
+            </a:r>
+          </a:p>
+          <a:p>
+            <a:pPr lvl="1"/>
+            <a:r>
+              <a:rPr lang="en-US" dirty="0" smtClean="0"/>
+              <a:t>PCA to get a vector of 1379 features.</a:t>
+            </a:r>
+          </a:p>
+          <a:p>
+            <a:r>
+              <a:rPr lang="en-US" dirty="0" smtClean="0"/>
+              <a:t>Geometry Features:</a:t>
+            </a:r>
+          </a:p>
+          <a:p>
+            <a:pPr lvl="1"/>
+            <a:r>
+              <a:rPr lang="en-US" dirty="0" smtClean="0"/>
+              <a:t>Vector of dimension 227 from landmark locations and shape parameters</a:t>
+            </a:r>
+          </a:p>
+          <a:p>
+            <a:r>
+              <a:rPr lang="en-US" dirty="0" smtClean="0"/>
+              <a:t>Total of </a:t>
+            </a:r>
+            <a:r>
+              <a:rPr lang="is-IS" dirty="0"/>
+              <a:t>﻿</a:t>
+            </a:r>
+            <a:r>
+              <a:rPr lang="is-IS" dirty="0" smtClean="0"/>
+              <a:t>1606 features that define the face.</a:t>
+            </a:r>
+            <a:endParaRPr lang="en-US" dirty="0"/>
+          </a:p>
+        </p:txBody>
+      </p:sp>
+    </p:spTree>
+    <p:extLst>
+      <p:ext uri="{BB962C8B-B14F-4D97-AF65-F5344CB8AC3E}">
+        <p14:creationId xmlns:p14="http://schemas.microsoft.com/office/powerpoint/2010/main" val="651988992"/>
+      </p:ext>
+    </p:extLst>
+  </p:cSld>
+  <p:clrMapOvr>
+    <a:masterClrMapping/>
+  </p:clrMapOvr>
+</p:sld>
+</file>
+
 <file path=ppt/slides/slide2.xml><?xml version="1.0" encoding="utf-8"?>
 <p:sld xmlns:a="http://schemas.openxmlformats.org/drawingml/2006/main" xmlns:r="http://schemas.openxmlformats.org/officeDocument/2006/relationships" xmlns:p="http://schemas.openxmlformats.org/presentationml/2006/main">
   <p:cSld>
@@ -3127,7 +3686,12 @@
             <p:ph idx="1"/>
           </p:nvPr>
         </p:nvSpPr>
-        <p:spPr/>
+        <p:spPr>
+          <a:xfrm>
+            <a:off x="838200" y="1855769"/>
+            <a:ext cx="10515600" cy="4351338"/>
+          </a:xfrm>
+        </p:spPr>
         <p:txBody>
           <a:bodyPr>
             <a:normAutofit fontScale="55000" lnSpcReduction="20000"/>
@@ -3533,11 +4097,7 @@
           <a:p>
             <a:r>
               <a:rPr lang="en-US" dirty="0" smtClean="0"/>
-              <a:t>AUs can be used to codify emotions through the muscles </a:t>
-            </a:r>
-            <a:r>
-              <a:rPr lang="en-US" dirty="0" smtClean="0"/>
-              <a:t>involved and the intensity of the movement.</a:t>
+              <a:t>AUs can be used to codify emotions through the muscles involved and the intensity of the movement.</a:t>
             </a:r>
           </a:p>
           <a:p>
@@ -3552,7 +4112,6 @@
               <a:rPr lang="en-US" dirty="0" smtClean="0"/>
               <a:t>for such classification.</a:t>
             </a:r>
-            <a:endParaRPr lang="en-US" dirty="0" smtClean="0"/>
           </a:p>
           <a:p>
             <a:endParaRPr lang="en-US" dirty="0" smtClean="0"/>
@@ -4056,7 +4615,11 @@
           <a:p>
             <a:r>
               <a:rPr lang="en-US" dirty="0" smtClean="0"/>
-              <a:t>Landmark Detection</a:t>
+              <a:t>Facial Landmark </a:t>
+            </a:r>
+            <a:r>
+              <a:rPr lang="en-US" dirty="0" smtClean="0"/>
+              <a:t>Detection</a:t>
             </a:r>
             <a:endParaRPr lang="en-US" dirty="0"/>
           </a:p>
@@ -4075,61 +4638,41 @@
         <p:spPr/>
         <p:txBody>
           <a:bodyPr>
-            <a:normAutofit fontScale="85000" lnSpcReduction="20000"/>
+            <a:normAutofit lnSpcReduction="10000"/>
           </a:bodyPr>
           <a:lstStyle/>
           <a:p>
             <a:r>
-              <a:rPr lang="en-US" i="1" dirty="0"/>
-              <a:t>Model based </a:t>
-            </a:r>
-            <a:r>
-              <a:rPr lang="en-US" dirty="0" smtClean="0"/>
-              <a:t>approach model </a:t>
+              <a:rPr lang="en-US" dirty="0" smtClean="0"/>
+              <a:t>Two Phases</a:t>
+            </a:r>
+          </a:p>
+          <a:p>
+            <a:pPr lvl="1"/>
+            <a:r>
+              <a:rPr lang="en-US" dirty="0" smtClean="0"/>
+              <a:t>Response map computation using Convolutional Experts Network</a:t>
+            </a:r>
+          </a:p>
+          <a:p>
+            <a:pPr lvl="1"/>
+            <a:r>
+              <a:rPr lang="en-US" dirty="0" smtClean="0"/>
+              <a:t>Shape parameter update </a:t>
+            </a:r>
+          </a:p>
+          <a:p>
+            <a:r>
+              <a:rPr lang="en-US" dirty="0" smtClean="0"/>
+              <a:t>Convolutional </a:t>
+            </a:r>
+            <a:r>
+              <a:rPr lang="en-US" dirty="0" smtClean="0"/>
+              <a:t>Experts </a:t>
             </a:r>
             <a:r>
               <a:rPr lang="en-US" dirty="0"/>
-              <a:t>both appearance and shape of facial landmarks explicitly with the </a:t>
-            </a:r>
-            <a:r>
-              <a:rPr lang="en-US" dirty="0" smtClean="0"/>
-              <a:t>latter constraining </a:t>
-            </a:r>
-            <a:r>
-              <a:rPr lang="en-US" dirty="0"/>
-              <a:t>the search space and providing a form of regularization</a:t>
-            </a:r>
-            <a:r>
-              <a:rPr lang="en-US" dirty="0"/>
-              <a:t> </a:t>
-            </a:r>
-          </a:p>
-          <a:p>
-            <a:r>
-              <a:rPr lang="en-US" dirty="0" smtClean="0"/>
-              <a:t>Local detector:</a:t>
-            </a:r>
-            <a:r>
-              <a:rPr lang="en-US" dirty="0"/>
-              <a:t> Convolutional Experts Network </a:t>
-            </a:r>
-            <a:r>
-              <a:rPr lang="en-US" dirty="0" smtClean="0"/>
-              <a:t>(CEN).</a:t>
-            </a:r>
-          </a:p>
-          <a:p>
-            <a:r>
-              <a:rPr lang="en-US" dirty="0" smtClean="0"/>
-              <a:t>Convolutional Experts </a:t>
-            </a:r>
-            <a:r>
-              <a:rPr lang="en-US" dirty="0"/>
-              <a:t>Constrained Local Model (CE-CLM)</a:t>
-            </a:r>
-            <a:r>
-              <a:rPr lang="en-US" dirty="0"/>
-              <a:t> </a:t>
+              <a:t>Constrained Local Model (CE-CLM) </a:t>
             </a:r>
             <a:endParaRPr lang="en-US" dirty="0" smtClean="0"/>
           </a:p>
@@ -4145,14 +4688,42 @@
             </a:r>
             <a:r>
               <a:rPr lang="en-US" dirty="0" smtClean="0"/>
-              <a:t> as local detector</a:t>
+              <a:t> as local </a:t>
+            </a:r>
+            <a:r>
+              <a:rPr lang="en-US" dirty="0" smtClean="0"/>
+              <a:t>detector</a:t>
             </a:r>
           </a:p>
           <a:p>
             <a:pPr lvl="2"/>
             <a:r>
               <a:rPr lang="en-US" dirty="0" smtClean="0"/>
-              <a:t>Individual landmark </a:t>
+              <a:t>Computes </a:t>
+            </a:r>
+            <a:r>
+              <a:rPr lang="en-US" dirty="0"/>
+              <a:t>a response map </a:t>
+            </a:r>
+            <a:r>
+              <a:rPr lang="en-US" dirty="0" smtClean="0"/>
+              <a:t>to </a:t>
+            </a:r>
+            <a:r>
+              <a:rPr lang="en-US" dirty="0"/>
+              <a:t>accurately localize individual landmarks by evaluating the landmark alignment probability at individual pixel locations. </a:t>
+            </a:r>
+            <a:endParaRPr lang="en-US" dirty="0" smtClean="0"/>
+          </a:p>
+          <a:p>
+            <a:pPr lvl="2"/>
+            <a:r>
+              <a:rPr lang="en-US" dirty="0" smtClean="0"/>
+              <a:t>Individual </a:t>
+            </a:r>
+            <a:r>
+              <a:rPr lang="en-US" dirty="0" smtClean="0"/>
+              <a:t>landmark </a:t>
             </a:r>
             <a:r>
               <a:rPr lang="en-US" dirty="0"/>
@@ -4177,100 +4748,43 @@
             <a:endParaRPr lang="en-US" dirty="0" smtClean="0"/>
           </a:p>
           <a:p>
+            <a:pPr lvl="1"/>
+            <a:r>
+              <a:rPr lang="en-US" dirty="0" smtClean="0"/>
+              <a:t>Constrained </a:t>
+            </a:r>
+            <a:r>
+              <a:rPr lang="en-US" dirty="0" smtClean="0"/>
+              <a:t>Local Model for shape parameter </a:t>
+            </a:r>
+            <a:r>
+              <a:rPr lang="en-US" dirty="0" smtClean="0"/>
+              <a:t>update</a:t>
+            </a:r>
+          </a:p>
+          <a:p>
             <a:pPr lvl="2"/>
             <a:r>
-              <a:rPr lang="en-US" dirty="0" smtClean="0"/>
-              <a:t>During </a:t>
-            </a:r>
-            <a:r>
               <a:rPr lang="en-US" dirty="0"/>
-              <a:t>the parameter update, </a:t>
-            </a:r>
-            <a:r>
-              <a:rPr lang="en-US" dirty="0" smtClean="0"/>
-              <a:t>the positions </a:t>
+              <a:t>During the parameter update, the positions of all landmarks are updated jointly and penalized for misaligned landmarks and irregular shapes using a point distribution model </a:t>
+            </a:r>
+            <a:endParaRPr lang="en-US" dirty="0" smtClean="0"/>
+          </a:p>
+          <a:p>
+            <a:pPr lvl="2"/>
+            <a:r>
+              <a:rPr lang="en-US" dirty="0" smtClean="0"/>
+              <a:t>Control </a:t>
             </a:r>
             <a:r>
               <a:rPr lang="en-US" dirty="0"/>
-              <a:t>of all landmarks are updated jointly and penalized</a:t>
-            </a:r>
-            <a:br>
-              <a:rPr lang="en-US" dirty="0"/>
-            </a:br>
-            <a:r>
-              <a:rPr lang="en-US" dirty="0"/>
-              <a:t>for misaligned landmarks and irregular shapes using a </a:t>
-            </a:r>
-            <a:r>
-              <a:rPr lang="en-US" dirty="0" smtClean="0"/>
-              <a:t>point distribution </a:t>
-            </a:r>
-            <a:r>
-              <a:rPr lang="en-US"/>
-              <a:t>model</a:t>
-            </a:r>
-            <a:r>
-              <a:rPr lang="en-US"/>
-              <a:t> </a:t>
+              <a:t>the landmark locations and to regularize the </a:t>
+            </a:r>
+            <a:r>
+              <a:rPr lang="en-US" dirty="0" smtClean="0"/>
+              <a:t>shape</a:t>
             </a:r>
             <a:endParaRPr lang="en-US" dirty="0" smtClean="0"/>
-          </a:p>
-          <a:p>
-            <a:pPr lvl="1"/>
-            <a:r>
-              <a:rPr lang="en-US" dirty="0" smtClean="0"/>
-              <a:t>Constrained Local Model for shape parameter update</a:t>
-            </a:r>
-          </a:p>
-          <a:p>
-            <a:r>
-              <a:rPr lang="en-US" dirty="0" smtClean="0"/>
-              <a:t>Two Phases</a:t>
-            </a:r>
-          </a:p>
-          <a:p>
-            <a:pPr lvl="1"/>
-            <a:r>
-              <a:rPr lang="en-US" dirty="0" smtClean="0"/>
-              <a:t>Response map </a:t>
-            </a:r>
-            <a:r>
-              <a:rPr lang="en-US" dirty="0"/>
-              <a:t>computation using Convolutional Experts </a:t>
-            </a:r>
-            <a:r>
-              <a:rPr lang="en-US" dirty="0" smtClean="0"/>
-              <a:t>Network</a:t>
-            </a:r>
-          </a:p>
-          <a:p>
-            <a:pPr lvl="1"/>
-            <a:r>
-              <a:rPr lang="en-US" dirty="0" smtClean="0"/>
-              <a:t>Shape </a:t>
-            </a:r>
-            <a:r>
-              <a:rPr lang="en-US" dirty="0"/>
-              <a:t>parameter update</a:t>
-            </a:r>
-            <a:r>
-              <a:rPr lang="en-US" dirty="0"/>
-              <a:t> </a:t>
-            </a:r>
-            <a:br>
-              <a:rPr lang="en-US" dirty="0"/>
-            </a:br>
-            <a:r>
-              <a:rPr lang="en-US" dirty="0"/>
-              <a:t/>
-            </a:r>
-            <a:br>
-              <a:rPr lang="en-US" dirty="0"/>
-            </a:br>
-            <a:endParaRPr lang="en-US" dirty="0" smtClean="0"/>
-          </a:p>
-          <a:p>
-            <a:endParaRPr lang="en-US" dirty="0"/>
           </a:p>
         </p:txBody>
       </p:sp>
@@ -4290,8 +4804,8 @@
         </p:blipFill>
         <p:spPr>
           <a:xfrm>
-            <a:off x="5958415" y="500649"/>
-            <a:ext cx="4856443" cy="1324976"/>
+            <a:off x="7013749" y="500649"/>
+            <a:ext cx="3801109" cy="1324976"/>
           </a:xfrm>
           <a:prstGeom prst="rect">
             <a:avLst/>

--- a/Deception Detection using Facial Action Units.pptx
+++ b/Deception Detection using Facial Action Units.pptx
@@ -4,6 +4,9 @@
   <p:sldMasterIdLst>
     <p:sldMasterId id="2147483648" r:id="rId1"/>
   </p:sldMasterIdLst>
+  <p:notesMasterIdLst>
+    <p:notesMasterId r:id="rId21"/>
+  </p:notesMasterIdLst>
   <p:sldIdLst>
     <p:sldId id="256" r:id="rId2"/>
     <p:sldId id="257" r:id="rId3"/>
@@ -14,10 +17,16 @@
     <p:sldId id="263" r:id="rId8"/>
     <p:sldId id="264" r:id="rId9"/>
     <p:sldId id="265" r:id="rId10"/>
-    <p:sldId id="268" r:id="rId11"/>
-    <p:sldId id="269" r:id="rId12"/>
-    <p:sldId id="266" r:id="rId13"/>
-    <p:sldId id="267" r:id="rId14"/>
+    <p:sldId id="269" r:id="rId11"/>
+    <p:sldId id="266" r:id="rId12"/>
+    <p:sldId id="267" r:id="rId13"/>
+    <p:sldId id="270" r:id="rId14"/>
+    <p:sldId id="271" r:id="rId15"/>
+    <p:sldId id="276" r:id="rId16"/>
+    <p:sldId id="277" r:id="rId17"/>
+    <p:sldId id="274" r:id="rId18"/>
+    <p:sldId id="272" r:id="rId19"/>
+    <p:sldId id="273" r:id="rId20"/>
   </p:sldIdLst>
   <p:sldSz cx="12192000" cy="6858000"/>
   <p:notesSz cx="6858000" cy="9144000"/>
@@ -124,6 +133,480 @@
 </p:presentation>
 </file>
 
+<file path=ppt/commentAuthors.xml><?xml version="1.0" encoding="utf-8"?>
+<p:cmAuthorLst xmlns:a="http://schemas.openxmlformats.org/drawingml/2006/main" xmlns:r="http://schemas.openxmlformats.org/officeDocument/2006/relationships" xmlns:p="http://schemas.openxmlformats.org/presentationml/2006/main">
+  <p:cmAuthor id="1" name="AscaL" initials="A" lastIdx="4" clrIdx="0">
+    <p:extLst>
+      <p:ext uri="{19B8F6BF-5375-455C-9EA6-DF929625EA0E}">
+        <p15:presenceInfo xmlns:p15="http://schemas.microsoft.com/office/powerpoint/2012/main" userId="AscaL" providerId="None"/>
+      </p:ext>
+    </p:extLst>
+  </p:cmAuthor>
+</p:cmAuthorLst>
+</file>
+
+<file path=ppt/comments/comment1.xml><?xml version="1.0" encoding="utf-8"?>
+<p:cmLst xmlns:a="http://schemas.openxmlformats.org/drawingml/2006/main" xmlns:r="http://schemas.openxmlformats.org/officeDocument/2006/relationships" xmlns:p="http://schemas.openxmlformats.org/presentationml/2006/main">
+  <p:cm authorId="1" dt="2018-12-18T16:52:51.052" idx="3">
+    <p:pos x="3189" y="2770"/>
+    <p:text>Search Online https://www.wikiwand.com/en/Procrustes_analysis</p:text>
+    <p:extLst>
+      <p:ext uri="{C676402C-5697-4E1C-873F-D02D1690AC5C}">
+        <p15:threadingInfo xmlns:p15="http://schemas.microsoft.com/office/powerpoint/2012/main" timeZoneBias="-60"/>
+      </p:ext>
+    </p:extLst>
+  </p:cm>
+</p:cmLst>
+</file>
+
+<file path=ppt/comments/comment2.xml><?xml version="1.0" encoding="utf-8"?>
+<p:cmLst xmlns:a="http://schemas.openxmlformats.org/drawingml/2006/main" xmlns:r="http://schemas.openxmlformats.org/officeDocument/2006/relationships" xmlns:p="http://schemas.openxmlformats.org/presentationml/2006/main">
+  <p:cm authorId="1" dt="2018-12-18T17:08:50.857" idx="4">
+    <p:pos x="1110" y="2482"/>
+    <p:text>Is this useful?</p:text>
+    <p:extLst>
+      <p:ext uri="{C676402C-5697-4E1C-873F-D02D1690AC5C}">
+        <p15:threadingInfo xmlns:p15="http://schemas.microsoft.com/office/powerpoint/2012/main" timeZoneBias="-60"/>
+      </p:ext>
+    </p:extLst>
+  </p:cm>
+</p:cmLst>
+</file>
+
+<file path=ppt/notesMasters/notesMaster1.xml><?xml version="1.0" encoding="utf-8"?>
+<p:notesMaster xmlns:a="http://schemas.openxmlformats.org/drawingml/2006/main" xmlns:r="http://schemas.openxmlformats.org/officeDocument/2006/relationships" xmlns:p="http://schemas.openxmlformats.org/presentationml/2006/main">
+  <p:cSld>
+    <p:bg>
+      <p:bgRef idx="1001">
+        <a:schemeClr val="bg1"/>
+      </p:bgRef>
+    </p:bg>
+    <p:spTree>
+      <p:nvGrpSpPr>
+        <p:cNvPr id="1" name=""/>
+        <p:cNvGrpSpPr/>
+        <p:nvPr/>
+      </p:nvGrpSpPr>
+      <p:grpSpPr>
+        <a:xfrm>
+          <a:off x="0" y="0"/>
+          <a:ext cx="0" cy="0"/>
+          <a:chOff x="0" y="0"/>
+          <a:chExt cx="0" cy="0"/>
+        </a:xfrm>
+      </p:grpSpPr>
+      <p:sp>
+        <p:nvSpPr>
+          <p:cNvPr id="2" name="Header Placeholder 1"/>
+          <p:cNvSpPr>
+            <a:spLocks noGrp="1"/>
+          </p:cNvSpPr>
+          <p:nvPr>
+            <p:ph type="hdr" sz="quarter"/>
+          </p:nvPr>
+        </p:nvSpPr>
+        <p:spPr>
+          <a:xfrm>
+            <a:off x="0" y="0"/>
+            <a:ext cx="2971800" cy="458788"/>
+          </a:xfrm>
+          <a:prstGeom prst="rect">
+            <a:avLst/>
+          </a:prstGeom>
+        </p:spPr>
+        <p:txBody>
+          <a:bodyPr vert="horz" lIns="91440" tIns="45720" rIns="91440" bIns="45720" rtlCol="0"/>
+          <a:lstStyle>
+            <a:lvl1pPr algn="l">
+              <a:defRPr sz="1200"/>
+            </a:lvl1pPr>
+          </a:lstStyle>
+          <a:p>
+            <a:endParaRPr lang="en-US"/>
+          </a:p>
+        </p:txBody>
+      </p:sp>
+      <p:sp>
+        <p:nvSpPr>
+          <p:cNvPr id="3" name="Date Placeholder 2"/>
+          <p:cNvSpPr>
+            <a:spLocks noGrp="1"/>
+          </p:cNvSpPr>
+          <p:nvPr>
+            <p:ph type="dt" idx="1"/>
+          </p:nvPr>
+        </p:nvSpPr>
+        <p:spPr>
+          <a:xfrm>
+            <a:off x="3884613" y="0"/>
+            <a:ext cx="2971800" cy="458788"/>
+          </a:xfrm>
+          <a:prstGeom prst="rect">
+            <a:avLst/>
+          </a:prstGeom>
+        </p:spPr>
+        <p:txBody>
+          <a:bodyPr vert="horz" lIns="91440" tIns="45720" rIns="91440" bIns="45720" rtlCol="0"/>
+          <a:lstStyle>
+            <a:lvl1pPr algn="r">
+              <a:defRPr sz="1200"/>
+            </a:lvl1pPr>
+          </a:lstStyle>
+          <a:p>
+            <a:fld id="{3BABDDC5-0E4A-4641-A748-4FB7315C8DEC}" type="datetimeFigureOut">
+              <a:rPr lang="en-US" smtClean="0"/>
+              <a:t>12/22/2018</a:t>
+            </a:fld>
+            <a:endParaRPr lang="en-US"/>
+          </a:p>
+        </p:txBody>
+      </p:sp>
+      <p:sp>
+        <p:nvSpPr>
+          <p:cNvPr id="4" name="Slide Image Placeholder 3"/>
+          <p:cNvSpPr>
+            <a:spLocks noGrp="1" noRot="1" noChangeAspect="1"/>
+          </p:cNvSpPr>
+          <p:nvPr>
+            <p:ph type="sldImg" idx="2"/>
+          </p:nvPr>
+        </p:nvSpPr>
+        <p:spPr>
+          <a:xfrm>
+            <a:off x="685800" y="1143000"/>
+            <a:ext cx="5486400" cy="3086100"/>
+          </a:xfrm>
+          <a:prstGeom prst="rect">
+            <a:avLst/>
+          </a:prstGeom>
+          <a:noFill/>
+          <a:ln w="12700">
+            <a:solidFill>
+              <a:prstClr val="black"/>
+            </a:solidFill>
+          </a:ln>
+        </p:spPr>
+        <p:txBody>
+          <a:bodyPr vert="horz" lIns="91440" tIns="45720" rIns="91440" bIns="45720" rtlCol="0" anchor="ctr"/>
+          <a:lstStyle/>
+          <a:p>
+            <a:endParaRPr lang="en-US"/>
+          </a:p>
+        </p:txBody>
+      </p:sp>
+      <p:sp>
+        <p:nvSpPr>
+          <p:cNvPr id="5" name="Notes Placeholder 4"/>
+          <p:cNvSpPr>
+            <a:spLocks noGrp="1"/>
+          </p:cNvSpPr>
+          <p:nvPr>
+            <p:ph type="body" sz="quarter" idx="3"/>
+          </p:nvPr>
+        </p:nvSpPr>
+        <p:spPr>
+          <a:xfrm>
+            <a:off x="685800" y="4400550"/>
+            <a:ext cx="5486400" cy="3600450"/>
+          </a:xfrm>
+          <a:prstGeom prst="rect">
+            <a:avLst/>
+          </a:prstGeom>
+        </p:spPr>
+        <p:txBody>
+          <a:bodyPr vert="horz" lIns="91440" tIns="45720" rIns="91440" bIns="45720" rtlCol="0"/>
+          <a:lstStyle/>
+          <a:p>
+            <a:pPr lvl="0"/>
+            <a:r>
+              <a:rPr lang="en-US" smtClean="0"/>
+              <a:t>Edit Master text styles</a:t>
+            </a:r>
+          </a:p>
+          <a:p>
+            <a:pPr lvl="1"/>
+            <a:r>
+              <a:rPr lang="en-US" smtClean="0"/>
+              <a:t>Second level</a:t>
+            </a:r>
+          </a:p>
+          <a:p>
+            <a:pPr lvl="2"/>
+            <a:r>
+              <a:rPr lang="en-US" smtClean="0"/>
+              <a:t>Third level</a:t>
+            </a:r>
+          </a:p>
+          <a:p>
+            <a:pPr lvl="3"/>
+            <a:r>
+              <a:rPr lang="en-US" smtClean="0"/>
+              <a:t>Fourth level</a:t>
+            </a:r>
+          </a:p>
+          <a:p>
+            <a:pPr lvl="4"/>
+            <a:r>
+              <a:rPr lang="en-US" smtClean="0"/>
+              <a:t>Fifth level</a:t>
+            </a:r>
+            <a:endParaRPr lang="en-US"/>
+          </a:p>
+        </p:txBody>
+      </p:sp>
+      <p:sp>
+        <p:nvSpPr>
+          <p:cNvPr id="6" name="Footer Placeholder 5"/>
+          <p:cNvSpPr>
+            <a:spLocks noGrp="1"/>
+          </p:cNvSpPr>
+          <p:nvPr>
+            <p:ph type="ftr" sz="quarter" idx="4"/>
+          </p:nvPr>
+        </p:nvSpPr>
+        <p:spPr>
+          <a:xfrm>
+            <a:off x="0" y="8685213"/>
+            <a:ext cx="2971800" cy="458787"/>
+          </a:xfrm>
+          <a:prstGeom prst="rect">
+            <a:avLst/>
+          </a:prstGeom>
+        </p:spPr>
+        <p:txBody>
+          <a:bodyPr vert="horz" lIns="91440" tIns="45720" rIns="91440" bIns="45720" rtlCol="0" anchor="b"/>
+          <a:lstStyle>
+            <a:lvl1pPr algn="l">
+              <a:defRPr sz="1200"/>
+            </a:lvl1pPr>
+          </a:lstStyle>
+          <a:p>
+            <a:endParaRPr lang="en-US"/>
+          </a:p>
+        </p:txBody>
+      </p:sp>
+      <p:sp>
+        <p:nvSpPr>
+          <p:cNvPr id="7" name="Slide Number Placeholder 6"/>
+          <p:cNvSpPr>
+            <a:spLocks noGrp="1"/>
+          </p:cNvSpPr>
+          <p:nvPr>
+            <p:ph type="sldNum" sz="quarter" idx="5"/>
+          </p:nvPr>
+        </p:nvSpPr>
+        <p:spPr>
+          <a:xfrm>
+            <a:off x="3884613" y="8685213"/>
+            <a:ext cx="2971800" cy="458787"/>
+          </a:xfrm>
+          <a:prstGeom prst="rect">
+            <a:avLst/>
+          </a:prstGeom>
+        </p:spPr>
+        <p:txBody>
+          <a:bodyPr vert="horz" lIns="91440" tIns="45720" rIns="91440" bIns="45720" rtlCol="0" anchor="b"/>
+          <a:lstStyle>
+            <a:lvl1pPr algn="r">
+              <a:defRPr sz="1200"/>
+            </a:lvl1pPr>
+          </a:lstStyle>
+          <a:p>
+            <a:fld id="{6D60F3DD-5661-4988-92C0-46E53DF49CE1}" type="slidenum">
+              <a:rPr lang="en-US" smtClean="0"/>
+              <a:t>‹#›</a:t>
+            </a:fld>
+            <a:endParaRPr lang="en-US"/>
+          </a:p>
+        </p:txBody>
+      </p:sp>
+    </p:spTree>
+    <p:extLst>
+      <p:ext uri="{BB962C8B-B14F-4D97-AF65-F5344CB8AC3E}">
+        <p14:creationId xmlns:p14="http://schemas.microsoft.com/office/powerpoint/2010/main" val="2993147040"/>
+      </p:ext>
+    </p:extLst>
+  </p:cSld>
+  <p:clrMap bg1="lt1" tx1="dk1" bg2="lt2" tx2="dk2" accent1="accent1" accent2="accent2" accent3="accent3" accent4="accent4" accent5="accent5" accent6="accent6" hlink="hlink" folHlink="folHlink"/>
+  <p:notesStyle>
+    <a:lvl1pPr marL="0" algn="l" defTabSz="914400" rtl="0" eaLnBrk="1" latinLnBrk="0" hangingPunct="1">
+      <a:defRPr sz="1200" kern="1200">
+        <a:solidFill>
+          <a:schemeClr val="tx1"/>
+        </a:solidFill>
+        <a:latin typeface="+mn-lt"/>
+        <a:ea typeface="+mn-ea"/>
+        <a:cs typeface="+mn-cs"/>
+      </a:defRPr>
+    </a:lvl1pPr>
+    <a:lvl2pPr marL="457200" algn="l" defTabSz="914400" rtl="0" eaLnBrk="1" latinLnBrk="0" hangingPunct="1">
+      <a:defRPr sz="1200" kern="1200">
+        <a:solidFill>
+          <a:schemeClr val="tx1"/>
+        </a:solidFill>
+        <a:latin typeface="+mn-lt"/>
+        <a:ea typeface="+mn-ea"/>
+        <a:cs typeface="+mn-cs"/>
+      </a:defRPr>
+    </a:lvl2pPr>
+    <a:lvl3pPr marL="914400" algn="l" defTabSz="914400" rtl="0" eaLnBrk="1" latinLnBrk="0" hangingPunct="1">
+      <a:defRPr sz="1200" kern="1200">
+        <a:solidFill>
+          <a:schemeClr val="tx1"/>
+        </a:solidFill>
+        <a:latin typeface="+mn-lt"/>
+        <a:ea typeface="+mn-ea"/>
+        <a:cs typeface="+mn-cs"/>
+      </a:defRPr>
+    </a:lvl3pPr>
+    <a:lvl4pPr marL="1371600" algn="l" defTabSz="914400" rtl="0" eaLnBrk="1" latinLnBrk="0" hangingPunct="1">
+      <a:defRPr sz="1200" kern="1200">
+        <a:solidFill>
+          <a:schemeClr val="tx1"/>
+        </a:solidFill>
+        <a:latin typeface="+mn-lt"/>
+        <a:ea typeface="+mn-ea"/>
+        <a:cs typeface="+mn-cs"/>
+      </a:defRPr>
+    </a:lvl4pPr>
+    <a:lvl5pPr marL="1828800" algn="l" defTabSz="914400" rtl="0" eaLnBrk="1" latinLnBrk="0" hangingPunct="1">
+      <a:defRPr sz="1200" kern="1200">
+        <a:solidFill>
+          <a:schemeClr val="tx1"/>
+        </a:solidFill>
+        <a:latin typeface="+mn-lt"/>
+        <a:ea typeface="+mn-ea"/>
+        <a:cs typeface="+mn-cs"/>
+      </a:defRPr>
+    </a:lvl5pPr>
+    <a:lvl6pPr marL="2286000" algn="l" defTabSz="914400" rtl="0" eaLnBrk="1" latinLnBrk="0" hangingPunct="1">
+      <a:defRPr sz="1200" kern="1200">
+        <a:solidFill>
+          <a:schemeClr val="tx1"/>
+        </a:solidFill>
+        <a:latin typeface="+mn-lt"/>
+        <a:ea typeface="+mn-ea"/>
+        <a:cs typeface="+mn-cs"/>
+      </a:defRPr>
+    </a:lvl6pPr>
+    <a:lvl7pPr marL="2743200" algn="l" defTabSz="914400" rtl="0" eaLnBrk="1" latinLnBrk="0" hangingPunct="1">
+      <a:defRPr sz="1200" kern="1200">
+        <a:solidFill>
+          <a:schemeClr val="tx1"/>
+        </a:solidFill>
+        <a:latin typeface="+mn-lt"/>
+        <a:ea typeface="+mn-ea"/>
+        <a:cs typeface="+mn-cs"/>
+      </a:defRPr>
+    </a:lvl7pPr>
+    <a:lvl8pPr marL="3200400" algn="l" defTabSz="914400" rtl="0" eaLnBrk="1" latinLnBrk="0" hangingPunct="1">
+      <a:defRPr sz="1200" kern="1200">
+        <a:solidFill>
+          <a:schemeClr val="tx1"/>
+        </a:solidFill>
+        <a:latin typeface="+mn-lt"/>
+        <a:ea typeface="+mn-ea"/>
+        <a:cs typeface="+mn-cs"/>
+      </a:defRPr>
+    </a:lvl8pPr>
+    <a:lvl9pPr marL="3657600" algn="l" defTabSz="914400" rtl="0" eaLnBrk="1" latinLnBrk="0" hangingPunct="1">
+      <a:defRPr sz="1200" kern="1200">
+        <a:solidFill>
+          <a:schemeClr val="tx1"/>
+        </a:solidFill>
+        <a:latin typeface="+mn-lt"/>
+        <a:ea typeface="+mn-ea"/>
+        <a:cs typeface="+mn-cs"/>
+      </a:defRPr>
+    </a:lvl9pPr>
+  </p:notesStyle>
+</p:notesMaster>
+</file>
+
+<file path=ppt/notesSlides/notesSlide1.xml><?xml version="1.0" encoding="utf-8"?>
+<p:notes xmlns:a="http://schemas.openxmlformats.org/drawingml/2006/main" xmlns:r="http://schemas.openxmlformats.org/officeDocument/2006/relationships" xmlns:p="http://schemas.openxmlformats.org/presentationml/2006/main">
+  <p:cSld>
+    <p:spTree>
+      <p:nvGrpSpPr>
+        <p:cNvPr id="1" name=""/>
+        <p:cNvGrpSpPr/>
+        <p:nvPr/>
+      </p:nvGrpSpPr>
+      <p:grpSpPr>
+        <a:xfrm>
+          <a:off x="0" y="0"/>
+          <a:ext cx="0" cy="0"/>
+          <a:chOff x="0" y="0"/>
+          <a:chExt cx="0" cy="0"/>
+        </a:xfrm>
+      </p:grpSpPr>
+      <p:sp>
+        <p:nvSpPr>
+          <p:cNvPr id="2" name="Slide Image Placeholder 1"/>
+          <p:cNvSpPr>
+            <a:spLocks noGrp="1" noRot="1" noChangeAspect="1"/>
+          </p:cNvSpPr>
+          <p:nvPr>
+            <p:ph type="sldImg"/>
+          </p:nvPr>
+        </p:nvSpPr>
+        <p:spPr/>
+      </p:sp>
+      <p:sp>
+        <p:nvSpPr>
+          <p:cNvPr id="3" name="Notes Placeholder 2"/>
+          <p:cNvSpPr>
+            <a:spLocks noGrp="1"/>
+          </p:cNvSpPr>
+          <p:nvPr>
+            <p:ph type="body" idx="1"/>
+          </p:nvPr>
+        </p:nvSpPr>
+        <p:spPr/>
+        <p:txBody>
+          <a:bodyPr/>
+          <a:lstStyle/>
+          <a:p>
+            <a:endParaRPr lang="en-US" dirty="0"/>
+          </a:p>
+        </p:txBody>
+      </p:sp>
+      <p:sp>
+        <p:nvSpPr>
+          <p:cNvPr id="4" name="Slide Number Placeholder 3"/>
+          <p:cNvSpPr>
+            <a:spLocks noGrp="1"/>
+          </p:cNvSpPr>
+          <p:nvPr>
+            <p:ph type="sldNum" sz="quarter" idx="10"/>
+          </p:nvPr>
+        </p:nvSpPr>
+        <p:spPr/>
+        <p:txBody>
+          <a:bodyPr/>
+          <a:lstStyle/>
+          <a:p>
+            <a:fld id="{6D60F3DD-5661-4988-92C0-46E53DF49CE1}" type="slidenum">
+              <a:rPr lang="en-US" smtClean="0"/>
+              <a:t>11</a:t>
+            </a:fld>
+            <a:endParaRPr lang="en-US"/>
+          </a:p>
+        </p:txBody>
+      </p:sp>
+    </p:spTree>
+    <p:extLst>
+      <p:ext uri="{BB962C8B-B14F-4D97-AF65-F5344CB8AC3E}">
+        <p14:creationId xmlns:p14="http://schemas.microsoft.com/office/powerpoint/2010/main" val="2498298624"/>
+      </p:ext>
+    </p:extLst>
+  </p:cSld>
+  <p:clrMapOvr>
+    <a:masterClrMapping/>
+  </p:clrMapOvr>
+</p:notes>
+</file>
+
 <file path=ppt/slideLayouts/slideLayout1.xml><?xml version="1.0" encoding="utf-8"?>
 <p:sldLayout xmlns:a="http://schemas.openxmlformats.org/drawingml/2006/main" xmlns:r="http://schemas.openxmlformats.org/officeDocument/2006/relationships" xmlns:p="http://schemas.openxmlformats.org/presentationml/2006/main" type="title" preserve="1">
   <p:cSld name="Title Slide">
@@ -255,7 +738,7 @@
           <a:p>
             <a:fld id="{E2871C63-F475-4904-B730-D2EF70A0C39F}" type="datetimeFigureOut">
               <a:rPr lang="en-US" smtClean="0"/>
-              <a:t>12/17/18</a:t>
+              <a:t>12/22/2018</a:t>
             </a:fld>
             <a:endParaRPr lang="en-US"/>
           </a:p>
@@ -425,7 +908,7 @@
           <a:p>
             <a:fld id="{E2871C63-F475-4904-B730-D2EF70A0C39F}" type="datetimeFigureOut">
               <a:rPr lang="en-US" smtClean="0"/>
-              <a:t>12/17/18</a:t>
+              <a:t>12/22/2018</a:t>
             </a:fld>
             <a:endParaRPr lang="en-US"/>
           </a:p>
@@ -605,7 +1088,7 @@
           <a:p>
             <a:fld id="{E2871C63-F475-4904-B730-D2EF70A0C39F}" type="datetimeFigureOut">
               <a:rPr lang="en-US" smtClean="0"/>
-              <a:t>12/17/18</a:t>
+              <a:t>12/22/2018</a:t>
             </a:fld>
             <a:endParaRPr lang="en-US"/>
           </a:p>
@@ -775,7 +1258,7 @@
           <a:p>
             <a:fld id="{E2871C63-F475-4904-B730-D2EF70A0C39F}" type="datetimeFigureOut">
               <a:rPr lang="en-US" smtClean="0"/>
-              <a:t>12/17/18</a:t>
+              <a:t>12/22/2018</a:t>
             </a:fld>
             <a:endParaRPr lang="en-US"/>
           </a:p>
@@ -1021,7 +1504,7 @@
           <a:p>
             <a:fld id="{E2871C63-F475-4904-B730-D2EF70A0C39F}" type="datetimeFigureOut">
               <a:rPr lang="en-US" smtClean="0"/>
-              <a:t>12/17/18</a:t>
+              <a:t>12/22/2018</a:t>
             </a:fld>
             <a:endParaRPr lang="en-US"/>
           </a:p>
@@ -1253,7 +1736,7 @@
           <a:p>
             <a:fld id="{E2871C63-F475-4904-B730-D2EF70A0C39F}" type="datetimeFigureOut">
               <a:rPr lang="en-US" smtClean="0"/>
-              <a:t>12/17/18</a:t>
+              <a:t>12/22/2018</a:t>
             </a:fld>
             <a:endParaRPr lang="en-US"/>
           </a:p>
@@ -1620,7 +2103,7 @@
           <a:p>
             <a:fld id="{E2871C63-F475-4904-B730-D2EF70A0C39F}" type="datetimeFigureOut">
               <a:rPr lang="en-US" smtClean="0"/>
-              <a:t>12/17/18</a:t>
+              <a:t>12/22/2018</a:t>
             </a:fld>
             <a:endParaRPr lang="en-US"/>
           </a:p>
@@ -1738,7 +2221,7 @@
           <a:p>
             <a:fld id="{E2871C63-F475-4904-B730-D2EF70A0C39F}" type="datetimeFigureOut">
               <a:rPr lang="en-US" smtClean="0"/>
-              <a:t>12/17/18</a:t>
+              <a:t>12/22/2018</a:t>
             </a:fld>
             <a:endParaRPr lang="en-US"/>
           </a:p>
@@ -1833,7 +2316,7 @@
           <a:p>
             <a:fld id="{E2871C63-F475-4904-B730-D2EF70A0C39F}" type="datetimeFigureOut">
               <a:rPr lang="en-US" smtClean="0"/>
-              <a:t>12/17/18</a:t>
+              <a:t>12/22/2018</a:t>
             </a:fld>
             <a:endParaRPr lang="en-US"/>
           </a:p>
@@ -2110,7 +2593,7 @@
           <a:p>
             <a:fld id="{E2871C63-F475-4904-B730-D2EF70A0C39F}" type="datetimeFigureOut">
               <a:rPr lang="en-US" smtClean="0"/>
-              <a:t>12/17/18</a:t>
+              <a:t>12/22/2018</a:t>
             </a:fld>
             <a:endParaRPr lang="en-US"/>
           </a:p>
@@ -2363,7 +2846,7 @@
           <a:p>
             <a:fld id="{E2871C63-F475-4904-B730-D2EF70A0C39F}" type="datetimeFigureOut">
               <a:rPr lang="en-US" smtClean="0"/>
-              <a:t>12/17/18</a:t>
+              <a:t>12/22/2018</a:t>
             </a:fld>
             <a:endParaRPr lang="en-US"/>
           </a:p>
@@ -2576,7 +3059,7 @@
           <a:p>
             <a:fld id="{E2871C63-F475-4904-B730-D2EF70A0C39F}" type="datetimeFigureOut">
               <a:rPr lang="en-US" smtClean="0"/>
-              <a:t>12/17/18</a:t>
+              <a:t>12/22/2018</a:t>
             </a:fld>
             <a:endParaRPr lang="en-US"/>
           </a:p>
@@ -3113,7 +3596,11 @@
           <a:bodyPr/>
           <a:lstStyle/>
           <a:p>
-            <a:endParaRPr lang="en-US"/>
+            <a:r>
+              <a:rPr lang="en-US" dirty="0" smtClean="0"/>
+              <a:t>Action Unit Detection</a:t>
+            </a:r>
+            <a:endParaRPr lang="en-US" dirty="0"/>
           </a:p>
         </p:txBody>
       </p:sp>
@@ -3132,14 +3619,102 @@
           <a:bodyPr/>
           <a:lstStyle/>
           <a:p>
-            <a:endParaRPr lang="en-US"/>
-          </a:p>
-        </p:txBody>
-      </p:sp>
+            <a:r>
+              <a:rPr lang="en-US" dirty="0" smtClean="0"/>
+              <a:t>Trained on three </a:t>
+            </a:r>
+            <a:r>
+              <a:rPr lang="en-US" dirty="0"/>
+              <a:t>dataset: ﻿</a:t>
+            </a:r>
+            <a:r>
+              <a:rPr lang="en-US" dirty="0" smtClean="0"/>
+              <a:t>DISFA, BP4D-Spontaneous and SEMAINE. </a:t>
+            </a:r>
+          </a:p>
+          <a:p>
+            <a:r>
+              <a:rPr lang="en-US" dirty="0" smtClean="0"/>
+              <a:t>Datasets consist </a:t>
+            </a:r>
+            <a:r>
+              <a:rPr lang="en-US" dirty="0"/>
+              <a:t>of videos of people subject to emotion inducing tasks</a:t>
+            </a:r>
+            <a:r>
+              <a:rPr lang="en-US" dirty="0" smtClean="0"/>
+              <a:t>.</a:t>
+            </a:r>
+            <a:endParaRPr lang="en-US" dirty="0"/>
+          </a:p>
+          <a:p>
+            <a:r>
+              <a:rPr lang="en-US" dirty="0"/>
+              <a:t>﻿BP4D, SEMAINE and DISFA have three AUs in </a:t>
+            </a:r>
+            <a:r>
+              <a:rPr lang="en-US" dirty="0" smtClean="0"/>
+              <a:t>common: 2</a:t>
+            </a:r>
+            <a:r>
+              <a:rPr lang="en-US" dirty="0"/>
+              <a:t>, 12, and </a:t>
+            </a:r>
+            <a:r>
+              <a:rPr lang="en-US" dirty="0" smtClean="0"/>
+              <a:t>17.</a:t>
+            </a:r>
+          </a:p>
+          <a:p>
+            <a:r>
+              <a:rPr lang="en-US" dirty="0" smtClean="0"/>
+              <a:t>SEMAINE </a:t>
+            </a:r>
+            <a:r>
+              <a:rPr lang="en-US" dirty="0"/>
+              <a:t>and DISFA share AUs 2, 12, 17, 25. </a:t>
+            </a:r>
+          </a:p>
+          <a:p>
+            <a:r>
+              <a:rPr lang="en-US" dirty="0" smtClean="0"/>
+              <a:t>BP4D </a:t>
+            </a:r>
+            <a:r>
+              <a:rPr lang="en-US" dirty="0"/>
+              <a:t>and DISFA share AUs 1, 2, 4, 6, 12, 15, 17. </a:t>
+            </a:r>
+          </a:p>
+        </p:txBody>
+      </p:sp>
+      <p:pic>
+        <p:nvPicPr>
+          <p:cNvPr id="4" name="Picture 3"/>
+          <p:cNvPicPr>
+            <a:picLocks noChangeAspect="1"/>
+          </p:cNvPicPr>
+          <p:nvPr/>
+        </p:nvPicPr>
+        <p:blipFill>
+          <a:blip r:embed="rId2"/>
+          <a:stretch>
+            <a:fillRect/>
+          </a:stretch>
+        </p:blipFill>
+        <p:spPr>
+          <a:xfrm>
+            <a:off x="7943013" y="1755081"/>
+            <a:ext cx="3311034" cy="3964075"/>
+          </a:xfrm>
+          <a:prstGeom prst="rect">
+            <a:avLst/>
+          </a:prstGeom>
+        </p:spPr>
+      </p:pic>
     </p:spTree>
     <p:extLst>
       <p:ext uri="{BB962C8B-B14F-4D97-AF65-F5344CB8AC3E}">
-        <p14:creationId xmlns:p14="http://schemas.microsoft.com/office/powerpoint/2010/main" val="834923780"/>
+        <p14:creationId xmlns:p14="http://schemas.microsoft.com/office/powerpoint/2010/main" val="621334751"/>
       </p:ext>
     </p:extLst>
   </p:cSld>
@@ -3201,90 +3776,100 @@
         </p:nvSpPr>
         <p:spPr/>
         <p:txBody>
-          <a:bodyPr/>
-          <a:lstStyle/>
-          <a:p>
-            <a:r>
-              <a:rPr lang="en-US" dirty="0" smtClean="0"/>
-              <a:t>Trained on </a:t>
-            </a:r>
+          <a:bodyPr>
+            <a:normAutofit lnSpcReduction="10000"/>
+          </a:bodyPr>
+          <a:lstStyle/>
+          <a:p>
+            <a:r>
+              <a:rPr lang="en-US" dirty="0" smtClean="0"/>
+              <a:t>Feature Extraction</a:t>
+            </a:r>
+          </a:p>
+          <a:p>
+            <a:pPr lvl="1"/>
+            <a:r>
+              <a:rPr lang="en-US" dirty="0" smtClean="0"/>
+              <a:t>Appearance Features: Histogram of Oriented Gradients.</a:t>
+            </a:r>
+          </a:p>
+          <a:p>
+            <a:pPr lvl="1"/>
+            <a:r>
+              <a:rPr lang="en-US" dirty="0" smtClean="0"/>
+              <a:t>Geometry Features: Landmark Location and Shape parameters.</a:t>
+            </a:r>
+          </a:p>
+          <a:p>
+            <a:r>
+              <a:rPr lang="en-US" dirty="0" smtClean="0"/>
+              <a:t>Alignment and Masking</a:t>
+            </a:r>
+          </a:p>
+          <a:p>
+            <a:pPr lvl="1"/>
+            <a:r>
+              <a:rPr lang="en-US" dirty="0" smtClean="0"/>
+              <a:t>Need for a mapping to a common reference frame.</a:t>
+            </a:r>
+          </a:p>
+          <a:p>
+            <a:pPr lvl="1"/>
             <a:r>
               <a:rPr lang="en-US" dirty="0"/>
-              <a:t>four dataset: ﻿</a:t>
-            </a:r>
-            <a:r>
-              <a:rPr lang="en-US" dirty="0" smtClean="0"/>
-              <a:t>DISFA, BP4D-Spontaneous, </a:t>
+              <a:t>﻿</a:t>
+            </a:r>
+            <a:r>
+              <a:rPr lang="en-US" dirty="0" smtClean="0"/>
+              <a:t>Similarity </a:t>
             </a:r>
             <a:r>
               <a:rPr lang="en-US" dirty="0"/>
-              <a:t>SEMAINE </a:t>
-            </a:r>
-            <a:r>
-              <a:rPr lang="en-US" dirty="0" smtClean="0"/>
-              <a:t>and </a:t>
-            </a:r>
+              <a:t>transform from the currently detected landmarks to a representation of frontal landmarks from a neutral </a:t>
+            </a:r>
+            <a:r>
+              <a:rPr lang="en-US" dirty="0" smtClean="0"/>
+              <a:t>expression</a:t>
+            </a:r>
+          </a:p>
+          <a:p>
+            <a:pPr lvl="1"/>
             <a:r>
               <a:rPr lang="en-US" dirty="0"/>
-              <a:t>CK</a:t>
-            </a:r>
-            <a:r>
-              <a:rPr lang="en-US" dirty="0" smtClean="0"/>
-              <a:t>+. </a:t>
-            </a:r>
-          </a:p>
-          <a:p>
-            <a:r>
-              <a:rPr lang="en-US" dirty="0" smtClean="0"/>
-              <a:t>Datasets consist </a:t>
+              <a:t>Procrustes superimposition </a:t>
+            </a:r>
+            <a:r>
+              <a:rPr lang="en-US" dirty="0" smtClean="0"/>
+              <a:t>that minimized </a:t>
             </a:r>
             <a:r>
               <a:rPr lang="en-US" dirty="0"/>
-              <a:t>of videos of people subject to emotion inducing tasks</a:t>
-            </a:r>
-            <a:r>
-              <a:rPr lang="en-US" dirty="0" smtClean="0"/>
-              <a:t>.</a:t>
+              <a:t>the mean square error between aligned pixels </a:t>
+            </a:r>
+            <a:endParaRPr lang="en-US" dirty="0" smtClean="0"/>
+          </a:p>
+          <a:p>
+            <a:pPr lvl="1"/>
+            <a:r>
+              <a:rPr lang="en-US" dirty="0"/>
+              <a:t>﻿</a:t>
+            </a:r>
+            <a:r>
+              <a:rPr lang="en-US" dirty="0" smtClean="0"/>
+              <a:t>Masking is performed </a:t>
+            </a:r>
+            <a:r>
+              <a:rPr lang="en-US" dirty="0"/>
+              <a:t>using a convex hull surrounding the feature points</a:t>
+            </a:r>
+            <a:endParaRPr lang="en-US" dirty="0" smtClean="0"/>
+          </a:p>
+          <a:p>
+            <a:r>
+              <a:rPr lang="en-US" dirty="0" smtClean="0"/>
+              <a:t>Results in a 112x112 pixel image of the face</a:t>
             </a:r>
             <a:endParaRPr lang="en-US" dirty="0"/>
-          </a:p>
-          <a:p>
-            <a:r>
-              <a:rPr lang="en-US" dirty="0"/>
-              <a:t>﻿BP4D, SEMAINE and DISFA have three AUs in </a:t>
-            </a:r>
-            <a:r>
-              <a:rPr lang="en-US" dirty="0" smtClean="0"/>
-              <a:t>common: 2</a:t>
-            </a:r>
-            <a:r>
-              <a:rPr lang="en-US" dirty="0"/>
-              <a:t>, 12, and </a:t>
-            </a:r>
-            <a:r>
-              <a:rPr lang="en-US" dirty="0" smtClean="0"/>
-              <a:t>17.</a:t>
-            </a:r>
-          </a:p>
-          <a:p>
-            <a:r>
-              <a:rPr lang="en-US" dirty="0" smtClean="0"/>
-              <a:t>SEMAINE </a:t>
-            </a:r>
-            <a:r>
-              <a:rPr lang="en-US" dirty="0"/>
-              <a:t>and DISFA share AUs 2, 12, 17, 25. </a:t>
-            </a:r>
-          </a:p>
-          <a:p>
-            <a:r>
-              <a:rPr lang="en-US" dirty="0" smtClean="0"/>
-              <a:t>BP4D </a:t>
-            </a:r>
-            <a:r>
-              <a:rPr lang="en-US" dirty="0"/>
-              <a:t>and DISFA share AUs 1, 2, 4, 6, 12, 15, 17. </a:t>
-            </a:r>
           </a:p>
         </p:txBody>
       </p:sp>
@@ -3297,175 +3882,7 @@
           <p:nvPr/>
         </p:nvPicPr>
         <p:blipFill>
-          <a:blip r:embed="rId2"/>
-          <a:stretch>
-            <a:fillRect/>
-          </a:stretch>
-        </p:blipFill>
-        <p:spPr>
-          <a:xfrm>
-            <a:off x="8042766" y="1266091"/>
-            <a:ext cx="3311034" cy="3964075"/>
-          </a:xfrm>
-          <a:prstGeom prst="rect">
-            <a:avLst/>
-          </a:prstGeom>
-        </p:spPr>
-      </p:pic>
-    </p:spTree>
-    <p:extLst>
-      <p:ext uri="{BB962C8B-B14F-4D97-AF65-F5344CB8AC3E}">
-        <p14:creationId xmlns:p14="http://schemas.microsoft.com/office/powerpoint/2010/main" val="621334751"/>
-      </p:ext>
-    </p:extLst>
-  </p:cSld>
-  <p:clrMapOvr>
-    <a:masterClrMapping/>
-  </p:clrMapOvr>
-</p:sld>
-</file>
-
-<file path=ppt/slides/slide12.xml><?xml version="1.0" encoding="utf-8"?>
-<p:sld xmlns:a="http://schemas.openxmlformats.org/drawingml/2006/main" xmlns:r="http://schemas.openxmlformats.org/officeDocument/2006/relationships" xmlns:p="http://schemas.openxmlformats.org/presentationml/2006/main">
-  <p:cSld>
-    <p:spTree>
-      <p:nvGrpSpPr>
-        <p:cNvPr id="1" name=""/>
-        <p:cNvGrpSpPr/>
-        <p:nvPr/>
-      </p:nvGrpSpPr>
-      <p:grpSpPr>
-        <a:xfrm>
-          <a:off x="0" y="0"/>
-          <a:ext cx="0" cy="0"/>
-          <a:chOff x="0" y="0"/>
-          <a:chExt cx="0" cy="0"/>
-        </a:xfrm>
-      </p:grpSpPr>
-      <p:sp>
-        <p:nvSpPr>
-          <p:cNvPr id="2" name="Title 1"/>
-          <p:cNvSpPr>
-            <a:spLocks noGrp="1"/>
-          </p:cNvSpPr>
-          <p:nvPr>
-            <p:ph type="title"/>
-          </p:nvPr>
-        </p:nvSpPr>
-        <p:spPr/>
-        <p:txBody>
-          <a:bodyPr/>
-          <a:lstStyle/>
-          <a:p>
-            <a:r>
-              <a:rPr lang="en-US" dirty="0" smtClean="0"/>
-              <a:t>Action Unit Detection</a:t>
-            </a:r>
-            <a:endParaRPr lang="en-US" dirty="0"/>
-          </a:p>
-        </p:txBody>
-      </p:sp>
-      <p:sp>
-        <p:nvSpPr>
-          <p:cNvPr id="3" name="Content Placeholder 2"/>
-          <p:cNvSpPr>
-            <a:spLocks noGrp="1"/>
-          </p:cNvSpPr>
-          <p:nvPr>
-            <p:ph idx="1"/>
-          </p:nvPr>
-        </p:nvSpPr>
-        <p:spPr/>
-        <p:txBody>
-          <a:bodyPr/>
-          <a:lstStyle/>
-          <a:p>
-            <a:r>
-              <a:rPr lang="en-US" dirty="0" smtClean="0"/>
-              <a:t>Feature Extraction</a:t>
-            </a:r>
-          </a:p>
-          <a:p>
-            <a:pPr lvl="1"/>
-            <a:r>
-              <a:rPr lang="en-US" dirty="0" smtClean="0"/>
-              <a:t>Appearance Features: Histogram of Oriented Gradients.</a:t>
-            </a:r>
-          </a:p>
-          <a:p>
-            <a:pPr lvl="1"/>
-            <a:r>
-              <a:rPr lang="en-US" dirty="0" smtClean="0"/>
-              <a:t>Geometry Features: Landmark Location and Shape parameters.</a:t>
-            </a:r>
-          </a:p>
-          <a:p>
-            <a:r>
-              <a:rPr lang="en-US" dirty="0" smtClean="0"/>
-              <a:t>Alignment and Masking</a:t>
-            </a:r>
-          </a:p>
-          <a:p>
-            <a:pPr lvl="1"/>
-            <a:r>
-              <a:rPr lang="en-US" dirty="0" smtClean="0"/>
-              <a:t>Need for a mapping to a common reference frame.</a:t>
-            </a:r>
-          </a:p>
-          <a:p>
-            <a:pPr lvl="1"/>
-            <a:r>
-              <a:rPr lang="en-US" dirty="0"/>
-              <a:t>﻿</a:t>
-            </a:r>
-            <a:r>
-              <a:rPr lang="en-US" dirty="0" smtClean="0"/>
-              <a:t>Similarity </a:t>
-            </a:r>
-            <a:r>
-              <a:rPr lang="en-US" dirty="0"/>
-              <a:t>transform from the currently detected landmarks to a representation of frontal landmarks from a neutral </a:t>
-            </a:r>
-            <a:r>
-              <a:rPr lang="en-US" dirty="0" smtClean="0"/>
-              <a:t>expression</a:t>
-            </a:r>
-          </a:p>
-          <a:p>
-            <a:pPr lvl="1"/>
-            <a:r>
-              <a:rPr lang="en-US" dirty="0"/>
-              <a:t>﻿</a:t>
-            </a:r>
-            <a:r>
-              <a:rPr lang="en-US" dirty="0" smtClean="0"/>
-              <a:t>Masking is performed </a:t>
-            </a:r>
-            <a:r>
-              <a:rPr lang="en-US" dirty="0"/>
-              <a:t>using a convex hull surrounding the feature points</a:t>
-            </a:r>
-            <a:endParaRPr lang="en-US" dirty="0" smtClean="0"/>
-          </a:p>
-          <a:p>
-            <a:r>
-              <a:rPr lang="en-US" dirty="0" smtClean="0"/>
-              <a:t>Results in a 112x112 pixel image of the face</a:t>
-            </a:r>
-            <a:endParaRPr lang="en-US" dirty="0"/>
-          </a:p>
-        </p:txBody>
-      </p:sp>
-      <p:pic>
-        <p:nvPicPr>
-          <p:cNvPr id="4" name="Picture 3"/>
-          <p:cNvPicPr>
-            <a:picLocks noChangeAspect="1"/>
-          </p:cNvPicPr>
-          <p:nvPr/>
-        </p:nvPicPr>
-        <p:blipFill>
-          <a:blip r:embed="rId2"/>
+          <a:blip r:embed="rId3"/>
           <a:stretch>
             <a:fillRect/>
           </a:stretch>
@@ -3493,6 +3910,149 @@
 </p:sld>
 </file>
 
+<file path=ppt/slides/slide12.xml><?xml version="1.0" encoding="utf-8"?>
+<p:sld xmlns:a="http://schemas.openxmlformats.org/drawingml/2006/main" xmlns:r="http://schemas.openxmlformats.org/officeDocument/2006/relationships" xmlns:p="http://schemas.openxmlformats.org/presentationml/2006/main">
+  <p:cSld>
+    <p:spTree>
+      <p:nvGrpSpPr>
+        <p:cNvPr id="1" name=""/>
+        <p:cNvGrpSpPr/>
+        <p:nvPr/>
+      </p:nvGrpSpPr>
+      <p:grpSpPr>
+        <a:xfrm>
+          <a:off x="0" y="0"/>
+          <a:ext cx="0" cy="0"/>
+          <a:chOff x="0" y="0"/>
+          <a:chExt cx="0" cy="0"/>
+        </a:xfrm>
+      </p:grpSpPr>
+      <p:sp>
+        <p:nvSpPr>
+          <p:cNvPr id="2" name="Title 1"/>
+          <p:cNvSpPr>
+            <a:spLocks noGrp="1"/>
+          </p:cNvSpPr>
+          <p:nvPr>
+            <p:ph type="title"/>
+          </p:nvPr>
+        </p:nvSpPr>
+        <p:spPr/>
+        <p:txBody>
+          <a:bodyPr/>
+          <a:lstStyle/>
+          <a:p>
+            <a:r>
+              <a:rPr lang="en-US" dirty="0"/>
+              <a:t>Action Unit Detection</a:t>
+            </a:r>
+          </a:p>
+        </p:txBody>
+      </p:sp>
+      <p:sp>
+        <p:nvSpPr>
+          <p:cNvPr id="3" name="Content Placeholder 2"/>
+          <p:cNvSpPr>
+            <a:spLocks noGrp="1"/>
+          </p:cNvSpPr>
+          <p:nvPr>
+            <p:ph idx="1"/>
+          </p:nvPr>
+        </p:nvSpPr>
+        <p:spPr/>
+        <p:txBody>
+          <a:bodyPr/>
+          <a:lstStyle/>
+          <a:p>
+            <a:r>
+              <a:rPr lang="en-US" dirty="0"/>
+              <a:t>﻿</a:t>
+            </a:r>
+            <a:r>
+              <a:rPr lang="en-US" dirty="0" smtClean="0"/>
+              <a:t>Appearance Features</a:t>
+            </a:r>
+          </a:p>
+          <a:p>
+            <a:pPr lvl="1"/>
+            <a:r>
+              <a:rPr lang="en-US" dirty="0" smtClean="0"/>
+              <a:t>12x12 </a:t>
+            </a:r>
+            <a:r>
+              <a:rPr lang="en-US" dirty="0"/>
+              <a:t>block of 31 dimensional Histogram of Oriented </a:t>
+            </a:r>
+            <a:r>
+              <a:rPr lang="en-US" dirty="0" smtClean="0"/>
+              <a:t>Gradients </a:t>
+            </a:r>
+            <a:r>
+              <a:rPr lang="en-US" dirty="0"/>
+              <a:t>are </a:t>
+            </a:r>
+            <a:r>
+              <a:rPr lang="en-US" dirty="0" smtClean="0"/>
+              <a:t>extracted.</a:t>
+            </a:r>
+          </a:p>
+          <a:p>
+            <a:pPr lvl="1"/>
+            <a:r>
+              <a:rPr lang="en-US" dirty="0" smtClean="0"/>
+              <a:t>4464 dimensional vector for the face.</a:t>
+            </a:r>
+          </a:p>
+          <a:p>
+            <a:pPr lvl="1"/>
+            <a:r>
+              <a:rPr lang="en-US" dirty="0" smtClean="0"/>
+              <a:t>PCA to get a vector of 1379 features.</a:t>
+            </a:r>
+          </a:p>
+          <a:p>
+            <a:r>
+              <a:rPr lang="en-US" dirty="0" smtClean="0"/>
+              <a:t>Geometry Features:</a:t>
+            </a:r>
+          </a:p>
+          <a:p>
+            <a:pPr lvl="1"/>
+            <a:r>
+              <a:rPr lang="en-US" dirty="0" smtClean="0"/>
+              <a:t>Vector of dimension 227 from landmark locations and shape parameters</a:t>
+            </a:r>
+          </a:p>
+          <a:p>
+            <a:r>
+              <a:rPr lang="en-US" dirty="0" smtClean="0"/>
+              <a:t>Total of </a:t>
+            </a:r>
+            <a:r>
+              <a:rPr lang="is-IS" dirty="0"/>
+              <a:t>﻿</a:t>
+            </a:r>
+            <a:r>
+              <a:rPr lang="is-IS" dirty="0" smtClean="0"/>
+              <a:t>1606 features that define the face.</a:t>
+            </a:r>
+            <a:endParaRPr lang="en-US" dirty="0"/>
+          </a:p>
+        </p:txBody>
+      </p:sp>
+    </p:spTree>
+    <p:extLst>
+      <p:ext uri="{BB962C8B-B14F-4D97-AF65-F5344CB8AC3E}">
+        <p14:creationId xmlns:p14="http://schemas.microsoft.com/office/powerpoint/2010/main" val="651988992"/>
+      </p:ext>
+    </p:extLst>
+  </p:cSld>
+  <p:clrMapOvr>
+    <a:masterClrMapping/>
+  </p:clrMapOvr>
+</p:sld>
+</file>
+
 <file path=ppt/slides/slide13.xml><?xml version="1.0" encoding="utf-8"?>
 <p:sld xmlns:a="http://schemas.openxmlformats.org/drawingml/2006/main" xmlns:r="http://schemas.openxmlformats.org/officeDocument/2006/relationships" xmlns:p="http://schemas.openxmlformats.org/presentationml/2006/main">
   <p:cSld>
@@ -3548,77 +4108,70 @@
           <a:lstStyle/>
           <a:p>
             <a:r>
+              <a:rPr lang="en-US" dirty="0" smtClean="0"/>
+              <a:t>Action Unit Classification and Regression.</a:t>
+            </a:r>
+          </a:p>
+          <a:p>
+            <a:r>
               <a:rPr lang="en-US" dirty="0"/>
-              <a:t>﻿</a:t>
-            </a:r>
-            <a:r>
-              <a:rPr lang="en-US" dirty="0" smtClean="0"/>
-              <a:t>Appearance Features</a:t>
-            </a:r>
-          </a:p>
-          <a:p>
-            <a:pPr lvl="1"/>
-            <a:r>
-              <a:rPr lang="en-US" dirty="0" smtClean="0"/>
-              <a:t>12x12 </a:t>
-            </a:r>
+              <a:t>For AU </a:t>
+            </a:r>
+            <a:r>
+              <a:rPr lang="en-US" i="1" dirty="0" smtClean="0"/>
+              <a:t>occurrence</a:t>
+            </a:r>
+            <a:r>
+              <a:rPr lang="en-US" dirty="0" smtClean="0"/>
+              <a:t> detection Support Vector Machines.</a:t>
+            </a:r>
+          </a:p>
+          <a:p>
             <a:r>
               <a:rPr lang="en-US" dirty="0"/>
-              <a:t>block of 31 dimensional Histogram of Oriented </a:t>
-            </a:r>
-            <a:r>
-              <a:rPr lang="en-US" dirty="0" smtClean="0"/>
-              <a:t>Gradients </a:t>
+              <a:t>F</a:t>
+            </a:r>
+            <a:r>
+              <a:rPr lang="en-US" dirty="0" smtClean="0"/>
+              <a:t>or </a:t>
             </a:r>
             <a:r>
               <a:rPr lang="en-US" dirty="0"/>
-              <a:t>are </a:t>
-            </a:r>
-            <a:r>
-              <a:rPr lang="en-US" dirty="0" smtClean="0"/>
-              <a:t>extracted.</a:t>
-            </a:r>
-          </a:p>
-          <a:p>
-            <a:pPr lvl="1"/>
-            <a:r>
-              <a:rPr lang="en-US" dirty="0" smtClean="0"/>
-              <a:t>4464 dimensional vector for the face.</a:t>
-            </a:r>
-          </a:p>
-          <a:p>
-            <a:pPr lvl="1"/>
-            <a:r>
-              <a:rPr lang="en-US" dirty="0" smtClean="0"/>
-              <a:t>PCA to get a vector of 1379 features.</a:t>
-            </a:r>
-          </a:p>
-          <a:p>
-            <a:r>
-              <a:rPr lang="en-US" dirty="0" smtClean="0"/>
-              <a:t>Geometry Features:</a:t>
-            </a:r>
-          </a:p>
-          <a:p>
-            <a:pPr lvl="1"/>
-            <a:r>
-              <a:rPr lang="en-US" dirty="0" smtClean="0"/>
-              <a:t>Vector of dimension 227 from landmark locations and shape parameters</a:t>
-            </a:r>
-          </a:p>
-          <a:p>
-            <a:r>
-              <a:rPr lang="en-US" dirty="0" smtClean="0"/>
-              <a:t>Total of </a:t>
-            </a:r>
-            <a:r>
-              <a:rPr lang="is-IS" dirty="0"/>
-              <a:t>﻿</a:t>
-            </a:r>
-            <a:r>
-              <a:rPr lang="is-IS" dirty="0" smtClean="0"/>
-              <a:t>1606 features that define the face.</a:t>
-            </a:r>
+              <a:t>AU </a:t>
+            </a:r>
+            <a:r>
+              <a:rPr lang="en-US" i="1" dirty="0"/>
+              <a:t>intensity</a:t>
+            </a:r>
+            <a:r>
+              <a:rPr lang="en-US" dirty="0"/>
+              <a:t> </a:t>
+            </a:r>
+            <a:r>
+              <a:rPr lang="en-US" dirty="0" smtClean="0"/>
+              <a:t>estimation Support </a:t>
+            </a:r>
+            <a:r>
+              <a:rPr lang="en-US" dirty="0"/>
+              <a:t>Vector </a:t>
+            </a:r>
+            <a:r>
+              <a:rPr lang="en-US" dirty="0" smtClean="0"/>
+              <a:t>Regression.</a:t>
+            </a:r>
+          </a:p>
+          <a:p>
+            <a:r>
+              <a:rPr lang="en-US" dirty="0" smtClean="0"/>
+              <a:t>Linear Kernel in both cases.</a:t>
+            </a:r>
+            <a:r>
+              <a:rPr lang="en-US" dirty="0"/>
+              <a:t/>
+            </a:r>
+            <a:br>
+              <a:rPr lang="en-US" dirty="0"/>
+            </a:br>
             <a:endParaRPr lang="en-US" dirty="0"/>
           </a:p>
         </p:txBody>
@@ -3626,7 +4179,675 @@
     </p:spTree>
     <p:extLst>
       <p:ext uri="{BB962C8B-B14F-4D97-AF65-F5344CB8AC3E}">
-        <p14:creationId xmlns:p14="http://schemas.microsoft.com/office/powerpoint/2010/main" val="651988992"/>
+        <p14:creationId xmlns:p14="http://schemas.microsoft.com/office/powerpoint/2010/main" val="856016307"/>
+      </p:ext>
+    </p:extLst>
+  </p:cSld>
+  <p:clrMapOvr>
+    <a:masterClrMapping/>
+  </p:clrMapOvr>
+</p:sld>
+</file>
+
+<file path=ppt/slides/slide14.xml><?xml version="1.0" encoding="utf-8"?>
+<p:sld xmlns:a="http://schemas.openxmlformats.org/drawingml/2006/main" xmlns:r="http://schemas.openxmlformats.org/officeDocument/2006/relationships" xmlns:p="http://schemas.openxmlformats.org/presentationml/2006/main">
+  <p:cSld>
+    <p:spTree>
+      <p:nvGrpSpPr>
+        <p:cNvPr id="1" name=""/>
+        <p:cNvGrpSpPr/>
+        <p:nvPr/>
+      </p:nvGrpSpPr>
+      <p:grpSpPr>
+        <a:xfrm>
+          <a:off x="0" y="0"/>
+          <a:ext cx="0" cy="0"/>
+          <a:chOff x="0" y="0"/>
+          <a:chExt cx="0" cy="0"/>
+        </a:xfrm>
+      </p:grpSpPr>
+      <p:sp>
+        <p:nvSpPr>
+          <p:cNvPr id="2" name="Title 1"/>
+          <p:cNvSpPr>
+            <a:spLocks noGrp="1"/>
+          </p:cNvSpPr>
+          <p:nvPr>
+            <p:ph type="title"/>
+          </p:nvPr>
+        </p:nvSpPr>
+        <p:spPr/>
+        <p:txBody>
+          <a:bodyPr/>
+          <a:lstStyle/>
+          <a:p>
+            <a:r>
+              <a:rPr lang="en-US" dirty="0" smtClean="0"/>
+              <a:t>Deception Detection</a:t>
+            </a:r>
+            <a:endParaRPr lang="en-US" dirty="0"/>
+          </a:p>
+        </p:txBody>
+      </p:sp>
+      <p:sp>
+        <p:nvSpPr>
+          <p:cNvPr id="3" name="Content Placeholder 2"/>
+          <p:cNvSpPr>
+            <a:spLocks noGrp="1"/>
+          </p:cNvSpPr>
+          <p:nvPr>
+            <p:ph idx="1"/>
+          </p:nvPr>
+        </p:nvSpPr>
+        <p:spPr/>
+        <p:txBody>
+          <a:bodyPr/>
+          <a:lstStyle/>
+          <a:p>
+            <a:r>
+              <a:rPr lang="en-US" dirty="0" smtClean="0"/>
+              <a:t>Pre-processing of data:</a:t>
+            </a:r>
+          </a:p>
+          <a:p>
+            <a:pPr lvl="1"/>
+            <a:r>
+              <a:rPr lang="en-US" dirty="0" smtClean="0"/>
+              <a:t>Removal of all 0s rows</a:t>
+            </a:r>
+          </a:p>
+          <a:p>
+            <a:pPr lvl="1"/>
+            <a:r>
+              <a:rPr lang="en-US" dirty="0" smtClean="0"/>
+              <a:t>Presence Boolean 0 or 1</a:t>
+            </a:r>
+          </a:p>
+          <a:p>
+            <a:pPr lvl="1"/>
+            <a:r>
+              <a:rPr lang="en-US" dirty="0" smtClean="0"/>
+              <a:t>Intensity from 0 to 5</a:t>
+            </a:r>
+          </a:p>
+          <a:p>
+            <a:pPr lvl="1"/>
+            <a:r>
+              <a:rPr lang="en-US" dirty="0" smtClean="0"/>
+              <a:t>Three sets of data for analysis</a:t>
+            </a:r>
+          </a:p>
+          <a:p>
+            <a:pPr lvl="2"/>
+            <a:r>
+              <a:rPr lang="en-US" dirty="0" smtClean="0"/>
+              <a:t>Only presence</a:t>
+            </a:r>
+          </a:p>
+          <a:p>
+            <a:pPr lvl="2"/>
+            <a:r>
+              <a:rPr lang="en-US" dirty="0" smtClean="0"/>
+              <a:t>Only intensity</a:t>
+            </a:r>
+          </a:p>
+          <a:p>
+            <a:pPr lvl="2"/>
+            <a:r>
+              <a:rPr lang="en-US" dirty="0" smtClean="0"/>
+              <a:t>Together</a:t>
+            </a:r>
+          </a:p>
+          <a:p>
+            <a:pPr lvl="1"/>
+            <a:endParaRPr lang="en-US" dirty="0"/>
+          </a:p>
+        </p:txBody>
+      </p:sp>
+      <p:pic>
+        <p:nvPicPr>
+          <p:cNvPr id="4" name="Picture 3"/>
+          <p:cNvPicPr>
+            <a:picLocks noChangeAspect="1"/>
+          </p:cNvPicPr>
+          <p:nvPr/>
+        </p:nvPicPr>
+        <p:blipFill>
+          <a:blip r:embed="rId2">
+            <a:extLst>
+              <a:ext uri="{28A0092B-C50C-407E-A947-70E740481C1C}">
+                <a14:useLocalDpi xmlns:a14="http://schemas.microsoft.com/office/drawing/2010/main" val="0"/>
+              </a:ext>
+            </a:extLst>
+          </a:blip>
+          <a:stretch>
+            <a:fillRect/>
+          </a:stretch>
+        </p:blipFill>
+        <p:spPr>
+          <a:xfrm>
+            <a:off x="5376771" y="2328367"/>
+            <a:ext cx="6402364" cy="1672927"/>
+          </a:xfrm>
+          <a:prstGeom prst="rect">
+            <a:avLst/>
+          </a:prstGeom>
+        </p:spPr>
+      </p:pic>
+    </p:spTree>
+    <p:extLst>
+      <p:ext uri="{BB962C8B-B14F-4D97-AF65-F5344CB8AC3E}">
+        <p14:creationId xmlns:p14="http://schemas.microsoft.com/office/powerpoint/2010/main" val="2922632148"/>
+      </p:ext>
+    </p:extLst>
+  </p:cSld>
+  <p:clrMapOvr>
+    <a:masterClrMapping/>
+  </p:clrMapOvr>
+</p:sld>
+</file>
+
+<file path=ppt/slides/slide15.xml><?xml version="1.0" encoding="utf-8"?>
+<p:sld xmlns:a="http://schemas.openxmlformats.org/drawingml/2006/main" xmlns:r="http://schemas.openxmlformats.org/officeDocument/2006/relationships" xmlns:p="http://schemas.openxmlformats.org/presentationml/2006/main">
+  <p:cSld>
+    <p:spTree>
+      <p:nvGrpSpPr>
+        <p:cNvPr id="1" name=""/>
+        <p:cNvGrpSpPr/>
+        <p:nvPr/>
+      </p:nvGrpSpPr>
+      <p:grpSpPr>
+        <a:xfrm>
+          <a:off x="0" y="0"/>
+          <a:ext cx="0" cy="0"/>
+          <a:chOff x="0" y="0"/>
+          <a:chExt cx="0" cy="0"/>
+        </a:xfrm>
+      </p:grpSpPr>
+      <p:sp>
+        <p:nvSpPr>
+          <p:cNvPr id="2" name="Title 1"/>
+          <p:cNvSpPr>
+            <a:spLocks noGrp="1"/>
+          </p:cNvSpPr>
+          <p:nvPr>
+            <p:ph type="title"/>
+          </p:nvPr>
+        </p:nvSpPr>
+        <p:spPr/>
+        <p:txBody>
+          <a:bodyPr/>
+          <a:lstStyle/>
+          <a:p>
+            <a:r>
+              <a:rPr lang="en-US" dirty="0" smtClean="0"/>
+              <a:t>Deception Detection</a:t>
+            </a:r>
+            <a:endParaRPr lang="en-US" dirty="0"/>
+          </a:p>
+        </p:txBody>
+      </p:sp>
+      <p:sp>
+        <p:nvSpPr>
+          <p:cNvPr id="3" name="Content Placeholder 2"/>
+          <p:cNvSpPr>
+            <a:spLocks noGrp="1"/>
+          </p:cNvSpPr>
+          <p:nvPr>
+            <p:ph idx="1"/>
+          </p:nvPr>
+        </p:nvSpPr>
+        <p:spPr/>
+        <p:txBody>
+          <a:bodyPr/>
+          <a:lstStyle/>
+          <a:p>
+            <a:r>
+              <a:rPr lang="en-US" dirty="0" smtClean="0"/>
+              <a:t>Frequency Analysis of AU occurrences in the train set</a:t>
+            </a:r>
+          </a:p>
+          <a:p>
+            <a:r>
+              <a:rPr lang="en-US" dirty="0" smtClean="0"/>
+              <a:t>Significant differences for truthful and deceptive in:</a:t>
+            </a:r>
+          </a:p>
+          <a:p>
+            <a:pPr lvl="1"/>
+            <a:r>
+              <a:rPr lang="en-US" dirty="0" smtClean="0"/>
+              <a:t>AU04</a:t>
+            </a:r>
+          </a:p>
+          <a:p>
+            <a:pPr lvl="1"/>
+            <a:r>
+              <a:rPr lang="en-US" dirty="0" smtClean="0"/>
+              <a:t>AU05</a:t>
+            </a:r>
+          </a:p>
+          <a:p>
+            <a:pPr lvl="1"/>
+            <a:r>
+              <a:rPr lang="en-US" dirty="0" smtClean="0"/>
+              <a:t>AU07</a:t>
+            </a:r>
+          </a:p>
+          <a:p>
+            <a:pPr lvl="1"/>
+            <a:r>
+              <a:rPr lang="en-US" dirty="0" smtClean="0"/>
+              <a:t>AU12</a:t>
+            </a:r>
+          </a:p>
+          <a:p>
+            <a:pPr lvl="1"/>
+            <a:r>
+              <a:rPr lang="en-US" dirty="0" smtClean="0"/>
+              <a:t>AU14</a:t>
+            </a:r>
+            <a:endParaRPr lang="en-US" dirty="0"/>
+          </a:p>
+        </p:txBody>
+      </p:sp>
+      <p:pic>
+        <p:nvPicPr>
+          <p:cNvPr id="4" name="Picture 3"/>
+          <p:cNvPicPr>
+            <a:picLocks noChangeAspect="1"/>
+          </p:cNvPicPr>
+          <p:nvPr/>
+        </p:nvPicPr>
+        <p:blipFill>
+          <a:blip r:embed="rId2">
+            <a:extLst>
+              <a:ext uri="{28A0092B-C50C-407E-A947-70E740481C1C}">
+                <a14:useLocalDpi xmlns:a14="http://schemas.microsoft.com/office/drawing/2010/main" val="0"/>
+              </a:ext>
+            </a:extLst>
+          </a:blip>
+          <a:stretch>
+            <a:fillRect/>
+          </a:stretch>
+        </p:blipFill>
+        <p:spPr>
+          <a:xfrm>
+            <a:off x="4197927" y="2867746"/>
+            <a:ext cx="5170517" cy="3190948"/>
+          </a:xfrm>
+          <a:prstGeom prst="rect">
+            <a:avLst/>
+          </a:prstGeom>
+        </p:spPr>
+      </p:pic>
+    </p:spTree>
+    <p:extLst>
+      <p:ext uri="{BB962C8B-B14F-4D97-AF65-F5344CB8AC3E}">
+        <p14:creationId xmlns:p14="http://schemas.microsoft.com/office/powerpoint/2010/main" val="2880842175"/>
+      </p:ext>
+    </p:extLst>
+  </p:cSld>
+  <p:clrMapOvr>
+    <a:masterClrMapping/>
+  </p:clrMapOvr>
+</p:sld>
+</file>
+
+<file path=ppt/slides/slide16.xml><?xml version="1.0" encoding="utf-8"?>
+<p:sld xmlns:a="http://schemas.openxmlformats.org/drawingml/2006/main" xmlns:r="http://schemas.openxmlformats.org/officeDocument/2006/relationships" xmlns:p="http://schemas.openxmlformats.org/presentationml/2006/main">
+  <p:cSld>
+    <p:spTree>
+      <p:nvGrpSpPr>
+        <p:cNvPr id="1" name=""/>
+        <p:cNvGrpSpPr/>
+        <p:nvPr/>
+      </p:nvGrpSpPr>
+      <p:grpSpPr>
+        <a:xfrm>
+          <a:off x="0" y="0"/>
+          <a:ext cx="0" cy="0"/>
+          <a:chOff x="0" y="0"/>
+          <a:chExt cx="0" cy="0"/>
+        </a:xfrm>
+      </p:grpSpPr>
+      <p:sp>
+        <p:nvSpPr>
+          <p:cNvPr id="2" name="Title 1"/>
+          <p:cNvSpPr>
+            <a:spLocks noGrp="1"/>
+          </p:cNvSpPr>
+          <p:nvPr>
+            <p:ph type="title"/>
+          </p:nvPr>
+        </p:nvSpPr>
+        <p:spPr/>
+        <p:txBody>
+          <a:bodyPr/>
+          <a:lstStyle/>
+          <a:p>
+            <a:r>
+              <a:rPr lang="en-US" dirty="0"/>
+              <a:t>Deception Detection</a:t>
+            </a:r>
+          </a:p>
+        </p:txBody>
+      </p:sp>
+      <p:sp>
+        <p:nvSpPr>
+          <p:cNvPr id="3" name="Content Placeholder 2"/>
+          <p:cNvSpPr>
+            <a:spLocks noGrp="1"/>
+          </p:cNvSpPr>
+          <p:nvPr>
+            <p:ph idx="1"/>
+          </p:nvPr>
+        </p:nvSpPr>
+        <p:spPr/>
+        <p:txBody>
+          <a:bodyPr/>
+          <a:lstStyle/>
+          <a:p>
+            <a:r>
+              <a:rPr lang="en-US" dirty="0" smtClean="0"/>
+              <a:t>Variable Importance using Random Forests</a:t>
+            </a:r>
+          </a:p>
+        </p:txBody>
+      </p:sp>
+      <p:pic>
+        <p:nvPicPr>
+          <p:cNvPr id="4" name="Picture 3"/>
+          <p:cNvPicPr>
+            <a:picLocks noChangeAspect="1"/>
+          </p:cNvPicPr>
+          <p:nvPr/>
+        </p:nvPicPr>
+        <p:blipFill>
+          <a:blip r:embed="rId2">
+            <a:extLst>
+              <a:ext uri="{28A0092B-C50C-407E-A947-70E740481C1C}">
+                <a14:useLocalDpi xmlns:a14="http://schemas.microsoft.com/office/drawing/2010/main" val="0"/>
+              </a:ext>
+            </a:extLst>
+          </a:blip>
+          <a:stretch>
+            <a:fillRect/>
+          </a:stretch>
+        </p:blipFill>
+        <p:spPr>
+          <a:xfrm>
+            <a:off x="838199" y="2516866"/>
+            <a:ext cx="5870171" cy="2968855"/>
+          </a:xfrm>
+          <a:prstGeom prst="rect">
+            <a:avLst/>
+          </a:prstGeom>
+        </p:spPr>
+      </p:pic>
+    </p:spTree>
+    <p:extLst>
+      <p:ext uri="{BB962C8B-B14F-4D97-AF65-F5344CB8AC3E}">
+        <p14:creationId xmlns:p14="http://schemas.microsoft.com/office/powerpoint/2010/main" val="1091300"/>
+      </p:ext>
+    </p:extLst>
+  </p:cSld>
+  <p:clrMapOvr>
+    <a:masterClrMapping/>
+  </p:clrMapOvr>
+</p:sld>
+</file>
+
+<file path=ppt/slides/slide17.xml><?xml version="1.0" encoding="utf-8"?>
+<p:sld xmlns:a="http://schemas.openxmlformats.org/drawingml/2006/main" xmlns:r="http://schemas.openxmlformats.org/officeDocument/2006/relationships" xmlns:p="http://schemas.openxmlformats.org/presentationml/2006/main">
+  <p:cSld>
+    <p:spTree>
+      <p:nvGrpSpPr>
+        <p:cNvPr id="1" name=""/>
+        <p:cNvGrpSpPr/>
+        <p:nvPr/>
+      </p:nvGrpSpPr>
+      <p:grpSpPr>
+        <a:xfrm>
+          <a:off x="0" y="0"/>
+          <a:ext cx="0" cy="0"/>
+          <a:chOff x="0" y="0"/>
+          <a:chExt cx="0" cy="0"/>
+        </a:xfrm>
+      </p:grpSpPr>
+      <p:sp>
+        <p:nvSpPr>
+          <p:cNvPr id="2" name="Title 1"/>
+          <p:cNvSpPr>
+            <a:spLocks noGrp="1"/>
+          </p:cNvSpPr>
+          <p:nvPr>
+            <p:ph type="title"/>
+          </p:nvPr>
+        </p:nvSpPr>
+        <p:spPr/>
+        <p:txBody>
+          <a:bodyPr/>
+          <a:lstStyle/>
+          <a:p>
+            <a:r>
+              <a:rPr lang="en-US" dirty="0"/>
+              <a:t>Deception Detection</a:t>
+            </a:r>
+          </a:p>
+        </p:txBody>
+      </p:sp>
+      <p:sp>
+        <p:nvSpPr>
+          <p:cNvPr id="3" name="Content Placeholder 2"/>
+          <p:cNvSpPr>
+            <a:spLocks noGrp="1"/>
+          </p:cNvSpPr>
+          <p:nvPr>
+            <p:ph idx="1"/>
+          </p:nvPr>
+        </p:nvSpPr>
+        <p:spPr/>
+        <p:txBody>
+          <a:bodyPr/>
+          <a:lstStyle/>
+          <a:p>
+            <a:r>
+              <a:rPr lang="en-US" dirty="0" smtClean="0"/>
+              <a:t>Classification with Radial Basis SVM</a:t>
+            </a:r>
+          </a:p>
+          <a:p>
+            <a:r>
+              <a:rPr lang="en-US" dirty="0" smtClean="0"/>
+              <a:t>72% accuracy on the test set</a:t>
+            </a:r>
+          </a:p>
+          <a:p>
+            <a:endParaRPr lang="en-US" dirty="0"/>
+          </a:p>
+        </p:txBody>
+      </p:sp>
+    </p:spTree>
+    <p:extLst>
+      <p:ext uri="{BB962C8B-B14F-4D97-AF65-F5344CB8AC3E}">
+        <p14:creationId xmlns:p14="http://schemas.microsoft.com/office/powerpoint/2010/main" val="1657658142"/>
+      </p:ext>
+    </p:extLst>
+  </p:cSld>
+  <p:clrMapOvr>
+    <a:masterClrMapping/>
+  </p:clrMapOvr>
+</p:sld>
+</file>
+
+<file path=ppt/slides/slide18.xml><?xml version="1.0" encoding="utf-8"?>
+<p:sld xmlns:a="http://schemas.openxmlformats.org/drawingml/2006/main" xmlns:r="http://schemas.openxmlformats.org/officeDocument/2006/relationships" xmlns:p="http://schemas.openxmlformats.org/presentationml/2006/main">
+  <p:cSld>
+    <p:spTree>
+      <p:nvGrpSpPr>
+        <p:cNvPr id="1" name=""/>
+        <p:cNvGrpSpPr/>
+        <p:nvPr/>
+      </p:nvGrpSpPr>
+      <p:grpSpPr>
+        <a:xfrm>
+          <a:off x="0" y="0"/>
+          <a:ext cx="0" cy="0"/>
+          <a:chOff x="0" y="0"/>
+          <a:chExt cx="0" cy="0"/>
+        </a:xfrm>
+      </p:grpSpPr>
+      <p:sp>
+        <p:nvSpPr>
+          <p:cNvPr id="2" name="Title 1"/>
+          <p:cNvSpPr>
+            <a:spLocks noGrp="1"/>
+          </p:cNvSpPr>
+          <p:nvPr>
+            <p:ph type="title"/>
+          </p:nvPr>
+        </p:nvSpPr>
+        <p:spPr/>
+        <p:txBody>
+          <a:bodyPr/>
+          <a:lstStyle/>
+          <a:p>
+            <a:r>
+              <a:rPr lang="en-US" dirty="0" smtClean="0"/>
+              <a:t>Results</a:t>
+            </a:r>
+            <a:endParaRPr lang="en-US" dirty="0"/>
+          </a:p>
+        </p:txBody>
+      </p:sp>
+      <p:sp>
+        <p:nvSpPr>
+          <p:cNvPr id="3" name="Content Placeholder 2"/>
+          <p:cNvSpPr>
+            <a:spLocks noGrp="1"/>
+          </p:cNvSpPr>
+          <p:nvPr>
+            <p:ph idx="1"/>
+          </p:nvPr>
+        </p:nvSpPr>
+        <p:spPr/>
+        <p:txBody>
+          <a:bodyPr/>
+          <a:lstStyle/>
+          <a:p>
+            <a:endParaRPr lang="en-US" dirty="0"/>
+          </a:p>
+        </p:txBody>
+      </p:sp>
+    </p:spTree>
+    <p:extLst>
+      <p:ext uri="{BB962C8B-B14F-4D97-AF65-F5344CB8AC3E}">
+        <p14:creationId xmlns:p14="http://schemas.microsoft.com/office/powerpoint/2010/main" val="1685562049"/>
+      </p:ext>
+    </p:extLst>
+  </p:cSld>
+  <p:clrMapOvr>
+    <a:masterClrMapping/>
+  </p:clrMapOvr>
+</p:sld>
+</file>
+
+<file path=ppt/slides/slide19.xml><?xml version="1.0" encoding="utf-8"?>
+<p:sld xmlns:a="http://schemas.openxmlformats.org/drawingml/2006/main" xmlns:r="http://schemas.openxmlformats.org/officeDocument/2006/relationships" xmlns:p="http://schemas.openxmlformats.org/presentationml/2006/main">
+  <p:cSld>
+    <p:spTree>
+      <p:nvGrpSpPr>
+        <p:cNvPr id="1" name=""/>
+        <p:cNvGrpSpPr/>
+        <p:nvPr/>
+      </p:nvGrpSpPr>
+      <p:grpSpPr>
+        <a:xfrm>
+          <a:off x="0" y="0"/>
+          <a:ext cx="0" cy="0"/>
+          <a:chOff x="0" y="0"/>
+          <a:chExt cx="0" cy="0"/>
+        </a:xfrm>
+      </p:grpSpPr>
+      <p:sp>
+        <p:nvSpPr>
+          <p:cNvPr id="2" name="Title 1"/>
+          <p:cNvSpPr>
+            <a:spLocks noGrp="1"/>
+          </p:cNvSpPr>
+          <p:nvPr>
+            <p:ph type="title"/>
+          </p:nvPr>
+        </p:nvSpPr>
+        <p:spPr/>
+        <p:txBody>
+          <a:bodyPr/>
+          <a:lstStyle/>
+          <a:p>
+            <a:r>
+              <a:rPr lang="en-US" dirty="0" smtClean="0"/>
+              <a:t>Future Work</a:t>
+            </a:r>
+            <a:endParaRPr lang="en-US" dirty="0"/>
+          </a:p>
+        </p:txBody>
+      </p:sp>
+      <p:sp>
+        <p:nvSpPr>
+          <p:cNvPr id="3" name="Content Placeholder 2"/>
+          <p:cNvSpPr>
+            <a:spLocks noGrp="1"/>
+          </p:cNvSpPr>
+          <p:nvPr>
+            <p:ph idx="1"/>
+          </p:nvPr>
+        </p:nvSpPr>
+        <p:spPr/>
+        <p:txBody>
+          <a:bodyPr/>
+          <a:lstStyle/>
+          <a:p>
+            <a:r>
+              <a:rPr lang="en-US" dirty="0" smtClean="0"/>
+              <a:t>Bigger dataset containing videos of better quality;</a:t>
+            </a:r>
+          </a:p>
+          <a:p>
+            <a:r>
+              <a:rPr lang="en-US" dirty="0" smtClean="0"/>
+              <a:t>Temporal information for Action Units using LSTM</a:t>
+            </a:r>
+          </a:p>
+          <a:p>
+            <a:r>
+              <a:rPr lang="en-US" dirty="0" smtClean="0"/>
+              <a:t>Extend extraction to more than one person</a:t>
+            </a:r>
+          </a:p>
+          <a:p>
+            <a:r>
+              <a:rPr lang="en-US" dirty="0" smtClean="0"/>
+              <a:t>Analyze interactions</a:t>
+            </a:r>
+          </a:p>
+          <a:p>
+            <a:r>
+              <a:rPr lang="en-US" dirty="0" smtClean="0"/>
+              <a:t>Multimodal approach (thermal, body</a:t>
+            </a:r>
+            <a:r>
+              <a:rPr lang="en-US" smtClean="0"/>
+              <a:t>, words)</a:t>
+            </a:r>
+            <a:endParaRPr lang="en-US" dirty="0"/>
+          </a:p>
+        </p:txBody>
+      </p:sp>
+    </p:spTree>
+    <p:extLst>
+      <p:ext uri="{BB962C8B-B14F-4D97-AF65-F5344CB8AC3E}">
+        <p14:creationId xmlns:p14="http://schemas.microsoft.com/office/powerpoint/2010/main" val="705753190"/>
       </p:ext>
     </p:extLst>
   </p:cSld>
@@ -3833,7 +5054,34 @@
           <a:p>
             <a:r>
               <a:rPr lang="en-US" dirty="0" smtClean="0"/>
-              <a:t>What is Deception Detection?</a:t>
+              <a:t>What is </a:t>
+            </a:r>
+            <a:r>
+              <a:rPr lang="en-US" dirty="0" smtClean="0"/>
+              <a:t>our goal?</a:t>
+            </a:r>
+            <a:endParaRPr lang="en-US" dirty="0"/>
+          </a:p>
+        </p:txBody>
+      </p:sp>
+      <p:sp>
+        <p:nvSpPr>
+          <p:cNvPr id="3" name="Content Placeholder 2"/>
+          <p:cNvSpPr>
+            <a:spLocks noGrp="1"/>
+          </p:cNvSpPr>
+          <p:nvPr>
+            <p:ph idx="1"/>
+          </p:nvPr>
+        </p:nvSpPr>
+        <p:spPr/>
+        <p:txBody>
+          <a:bodyPr/>
+          <a:lstStyle/>
+          <a:p>
+            <a:r>
+              <a:rPr lang="en-US" dirty="0" smtClean="0"/>
+              <a:t>Is it possible to recognize lies from truths?</a:t>
             </a:r>
             <a:endParaRPr lang="en-US" dirty="0"/>
           </a:p>
@@ -3841,13 +5089,11 @@
       </p:sp>
       <p:pic>
         <p:nvPicPr>
-          <p:cNvPr id="6" name="Content Placeholder 5"/>
+          <p:cNvPr id="5" name="Content Placeholder 5"/>
           <p:cNvPicPr>
-            <a:picLocks noGrp="1" noChangeAspect="1"/>
+            <a:picLocks noChangeAspect="1"/>
           </p:cNvPicPr>
-          <p:nvPr>
-            <p:ph idx="1"/>
-          </p:nvPr>
+          <p:nvPr/>
         </p:nvPicPr>
         <p:blipFill>
           <a:blip r:embed="rId2">
@@ -3863,9 +5109,12 @@
         </p:blipFill>
         <p:spPr>
           <a:xfrm>
-            <a:off x="5733370" y="1690688"/>
-            <a:ext cx="5620430" cy="2507239"/>
+            <a:off x="2673572" y="2548814"/>
+            <a:ext cx="6511992" cy="2904959"/>
           </a:xfrm>
+          <a:prstGeom prst="rect">
+            <a:avLst/>
+          </a:prstGeom>
         </p:spPr>
       </p:pic>
     </p:spTree>
@@ -4615,11 +5864,7 @@
           <a:p>
             <a:r>
               <a:rPr lang="en-US" dirty="0" smtClean="0"/>
-              <a:t>Facial Landmark </a:t>
-            </a:r>
-            <a:r>
-              <a:rPr lang="en-US" dirty="0" smtClean="0"/>
-              <a:t>Detection</a:t>
+              <a:t>Facial Landmark Detection</a:t>
             </a:r>
             <a:endParaRPr lang="en-US" dirty="0"/>
           </a:p>
@@ -4664,11 +5909,7 @@
           <a:p>
             <a:r>
               <a:rPr lang="en-US" dirty="0" smtClean="0"/>
-              <a:t>Convolutional </a:t>
-            </a:r>
-            <a:r>
-              <a:rPr lang="en-US" dirty="0" smtClean="0"/>
-              <a:t>Experts </a:t>
+              <a:t>Convolutional Experts </a:t>
             </a:r>
             <a:r>
               <a:rPr lang="en-US" dirty="0"/>
@@ -4688,11 +5929,7 @@
             </a:r>
             <a:r>
               <a:rPr lang="en-US" dirty="0" smtClean="0"/>
-              <a:t> as local </a:t>
-            </a:r>
-            <a:r>
-              <a:rPr lang="en-US" dirty="0" smtClean="0"/>
-              <a:t>detector</a:t>
+              <a:t> as local detector</a:t>
             </a:r>
           </a:p>
           <a:p>
@@ -4719,11 +5956,7 @@
             <a:pPr lvl="2"/>
             <a:r>
               <a:rPr lang="en-US" dirty="0" smtClean="0"/>
-              <a:t>Individual </a:t>
-            </a:r>
-            <a:r>
-              <a:rPr lang="en-US" dirty="0" smtClean="0"/>
-              <a:t>landmark </a:t>
+              <a:t>Individual landmark </a:t>
             </a:r>
             <a:r>
               <a:rPr lang="en-US" dirty="0"/>
@@ -4751,15 +5984,7 @@
             <a:pPr lvl="1"/>
             <a:r>
               <a:rPr lang="en-US" dirty="0" smtClean="0"/>
-              <a:t>Constrained </a:t>
-            </a:r>
-            <a:r>
-              <a:rPr lang="en-US" dirty="0" smtClean="0"/>
-              <a:t>Local Model for shape parameter </a:t>
-            </a:r>
-            <a:r>
-              <a:rPr lang="en-US" dirty="0" smtClean="0"/>
-              <a:t>update</a:t>
+              <a:t>Constrained Local Model for shape parameter update</a:t>
             </a:r>
           </a:p>
           <a:p>
@@ -4784,7 +6009,6 @@
               <a:rPr lang="en-US" dirty="0" smtClean="0"/>
               <a:t>shape</a:t>
             </a:r>
-            <a:endParaRPr lang="en-US" dirty="0" smtClean="0"/>
           </a:p>
         </p:txBody>
       </p:sp>
@@ -5084,4 +6308,265 @@
     </a:ext>
   </a:extLst>
 </a:theme>
+</file>
+
+<file path=ppt/theme/theme2.xml><?xml version="1.0" encoding="utf-8"?>
+<a:theme xmlns:a="http://schemas.openxmlformats.org/drawingml/2006/main" name="Office Theme">
+  <a:themeElements>
+    <a:clrScheme name="Office">
+      <a:dk1>
+        <a:sysClr val="windowText" lastClr="000000"/>
+      </a:dk1>
+      <a:lt1>
+        <a:sysClr val="window" lastClr="FFFFFF"/>
+      </a:lt1>
+      <a:dk2>
+        <a:srgbClr val="44546A"/>
+      </a:dk2>
+      <a:lt2>
+        <a:srgbClr val="E7E6E6"/>
+      </a:lt2>
+      <a:accent1>
+        <a:srgbClr val="5B9BD5"/>
+      </a:accent1>
+      <a:accent2>
+        <a:srgbClr val="ED7D31"/>
+      </a:accent2>
+      <a:accent3>
+        <a:srgbClr val="A5A5A5"/>
+      </a:accent3>
+      <a:accent4>
+        <a:srgbClr val="FFC000"/>
+      </a:accent4>
+      <a:accent5>
+        <a:srgbClr val="4472C4"/>
+      </a:accent5>
+      <a:accent6>
+        <a:srgbClr val="70AD47"/>
+      </a:accent6>
+      <a:hlink>
+        <a:srgbClr val="0563C1"/>
+      </a:hlink>
+      <a:folHlink>
+        <a:srgbClr val="954F72"/>
+      </a:folHlink>
+    </a:clrScheme>
+    <a:fontScheme name="Office">
+      <a:majorFont>
+        <a:latin typeface="Calibri Light" panose="020F0302020204030204"/>
+        <a:ea typeface=""/>
+        <a:cs typeface=""/>
+        <a:font script="Jpan" typeface="游ゴシック Light"/>
+        <a:font script="Hang" typeface="맑은 고딕"/>
+        <a:font script="Hans" typeface="等线 Light"/>
+        <a:font script="Hant" typeface="新細明體"/>
+        <a:font script="Arab" typeface="Times New Roman"/>
+        <a:font script="Hebr" typeface="Times New Roman"/>
+        <a:font script="Thai" typeface="Angsana New"/>
+        <a:font script="Ethi" typeface="Nyala"/>
+        <a:font script="Beng" typeface="Vrinda"/>
+        <a:font script="Gujr" typeface="Shruti"/>
+        <a:font script="Khmr" typeface="MoolBoran"/>
+        <a:font script="Knda" typeface="Tunga"/>
+        <a:font script="Guru" typeface="Raavi"/>
+        <a:font script="Cans" typeface="Euphemia"/>
+        <a:font script="Cher" typeface="Plantagenet Cherokee"/>
+        <a:font script="Yiii" typeface="Microsoft Yi Baiti"/>
+        <a:font script="Tibt" typeface="Microsoft Himalaya"/>
+        <a:font script="Thaa" typeface="MV Boli"/>
+        <a:font script="Deva" typeface="Mangal"/>
+        <a:font script="Telu" typeface="Gautami"/>
+        <a:font script="Taml" typeface="Latha"/>
+        <a:font script="Syrc" typeface="Estrangelo Edessa"/>
+        <a:font script="Orya" typeface="Kalinga"/>
+        <a:font script="Mlym" typeface="Kartika"/>
+        <a:font script="Laoo" typeface="DokChampa"/>
+        <a:font script="Sinh" typeface="Iskoola Pota"/>
+        <a:font script="Mong" typeface="Mongolian Baiti"/>
+        <a:font script="Viet" typeface="Times New Roman"/>
+        <a:font script="Uigh" typeface="Microsoft Uighur"/>
+        <a:font script="Geor" typeface="Sylfaen"/>
+      </a:majorFont>
+      <a:minorFont>
+        <a:latin typeface="Calibri" panose="020F0502020204030204"/>
+        <a:ea typeface=""/>
+        <a:cs typeface=""/>
+        <a:font script="Jpan" typeface="游ゴシック"/>
+        <a:font script="Hang" typeface="맑은 고딕"/>
+        <a:font script="Hans" typeface="等线"/>
+        <a:font script="Hant" typeface="新細明體"/>
+        <a:font script="Arab" typeface="Arial"/>
+        <a:font script="Hebr" typeface="Arial"/>
+        <a:font script="Thai" typeface="Cordia New"/>
+        <a:font script="Ethi" typeface="Nyala"/>
+        <a:font script="Beng" typeface="Vrinda"/>
+        <a:font script="Gujr" typeface="Shruti"/>
+        <a:font script="Khmr" typeface="DaunPenh"/>
+        <a:font script="Knda" typeface="Tunga"/>
+        <a:font script="Guru" typeface="Raavi"/>
+        <a:font script="Cans" typeface="Euphemia"/>
+        <a:font script="Cher" typeface="Plantagenet Cherokee"/>
+        <a:font script="Yiii" typeface="Microsoft Yi Baiti"/>
+        <a:font script="Tibt" typeface="Microsoft Himalaya"/>
+        <a:font script="Thaa" typeface="MV Boli"/>
+        <a:font script="Deva" typeface="Mangal"/>
+        <a:font script="Telu" typeface="Gautami"/>
+        <a:font script="Taml" typeface="Latha"/>
+        <a:font script="Syrc" typeface="Estrangelo Edessa"/>
+        <a:font script="Orya" typeface="Kalinga"/>
+        <a:font script="Mlym" typeface="Kartika"/>
+        <a:font script="Laoo" typeface="DokChampa"/>
+        <a:font script="Sinh" typeface="Iskoola Pota"/>
+        <a:font script="Mong" typeface="Mongolian Baiti"/>
+        <a:font script="Viet" typeface="Arial"/>
+        <a:font script="Uigh" typeface="Microsoft Uighur"/>
+        <a:font script="Geor" typeface="Sylfaen"/>
+      </a:minorFont>
+    </a:fontScheme>
+    <a:fmtScheme name="Office">
+      <a:fillStyleLst>
+        <a:solidFill>
+          <a:schemeClr val="phClr"/>
+        </a:solidFill>
+        <a:gradFill rotWithShape="1">
+          <a:gsLst>
+            <a:gs pos="0">
+              <a:schemeClr val="phClr">
+                <a:lumMod val="110000"/>
+                <a:satMod val="105000"/>
+                <a:tint val="67000"/>
+              </a:schemeClr>
+            </a:gs>
+            <a:gs pos="50000">
+              <a:schemeClr val="phClr">
+                <a:lumMod val="105000"/>
+                <a:satMod val="103000"/>
+                <a:tint val="73000"/>
+              </a:schemeClr>
+            </a:gs>
+            <a:gs pos="100000">
+              <a:schemeClr val="phClr">
+                <a:lumMod val="105000"/>
+                <a:satMod val="109000"/>
+                <a:tint val="81000"/>
+              </a:schemeClr>
+            </a:gs>
+          </a:gsLst>
+          <a:lin ang="5400000" scaled="0"/>
+        </a:gradFill>
+        <a:gradFill rotWithShape="1">
+          <a:gsLst>
+            <a:gs pos="0">
+              <a:schemeClr val="phClr">
+                <a:satMod val="103000"/>
+                <a:lumMod val="102000"/>
+                <a:tint val="94000"/>
+              </a:schemeClr>
+            </a:gs>
+            <a:gs pos="50000">
+              <a:schemeClr val="phClr">
+                <a:satMod val="110000"/>
+                <a:lumMod val="100000"/>
+                <a:shade val="100000"/>
+              </a:schemeClr>
+            </a:gs>
+            <a:gs pos="100000">
+              <a:schemeClr val="phClr">
+                <a:lumMod val="99000"/>
+                <a:satMod val="120000"/>
+                <a:shade val="78000"/>
+              </a:schemeClr>
+            </a:gs>
+          </a:gsLst>
+          <a:lin ang="5400000" scaled="0"/>
+        </a:gradFill>
+      </a:fillStyleLst>
+      <a:lnStyleLst>
+        <a:ln w="6350" cap="flat" cmpd="sng" algn="ctr">
+          <a:solidFill>
+            <a:schemeClr val="phClr"/>
+          </a:solidFill>
+          <a:prstDash val="solid"/>
+          <a:miter lim="800000"/>
+        </a:ln>
+        <a:ln w="12700" cap="flat" cmpd="sng" algn="ctr">
+          <a:solidFill>
+            <a:schemeClr val="phClr"/>
+          </a:solidFill>
+          <a:prstDash val="solid"/>
+          <a:miter lim="800000"/>
+        </a:ln>
+        <a:ln w="19050" cap="flat" cmpd="sng" algn="ctr">
+          <a:solidFill>
+            <a:schemeClr val="phClr"/>
+          </a:solidFill>
+          <a:prstDash val="solid"/>
+          <a:miter lim="800000"/>
+        </a:ln>
+      </a:lnStyleLst>
+      <a:effectStyleLst>
+        <a:effectStyle>
+          <a:effectLst/>
+        </a:effectStyle>
+        <a:effectStyle>
+          <a:effectLst/>
+        </a:effectStyle>
+        <a:effectStyle>
+          <a:effectLst>
+            <a:outerShdw blurRad="57150" dist="19050" dir="5400000" algn="ctr" rotWithShape="0">
+              <a:srgbClr val="000000">
+                <a:alpha val="63000"/>
+              </a:srgbClr>
+            </a:outerShdw>
+          </a:effectLst>
+        </a:effectStyle>
+      </a:effectStyleLst>
+      <a:bgFillStyleLst>
+        <a:solidFill>
+          <a:schemeClr val="phClr"/>
+        </a:solidFill>
+        <a:solidFill>
+          <a:schemeClr val="phClr">
+            <a:tint val="95000"/>
+            <a:satMod val="170000"/>
+          </a:schemeClr>
+        </a:solidFill>
+        <a:gradFill rotWithShape="1">
+          <a:gsLst>
+            <a:gs pos="0">
+              <a:schemeClr val="phClr">
+                <a:tint val="93000"/>
+                <a:satMod val="150000"/>
+                <a:shade val="98000"/>
+                <a:lumMod val="102000"/>
+              </a:schemeClr>
+            </a:gs>
+            <a:gs pos="50000">
+              <a:schemeClr val="phClr">
+                <a:tint val="98000"/>
+                <a:satMod val="130000"/>
+                <a:shade val="90000"/>
+                <a:lumMod val="103000"/>
+              </a:schemeClr>
+            </a:gs>
+            <a:gs pos="100000">
+              <a:schemeClr val="phClr">
+                <a:shade val="63000"/>
+                <a:satMod val="120000"/>
+              </a:schemeClr>
+            </a:gs>
+          </a:gsLst>
+          <a:lin ang="5400000" scaled="0"/>
+        </a:gradFill>
+      </a:bgFillStyleLst>
+    </a:fmtScheme>
+  </a:themeElements>
+  <a:objectDefaults/>
+  <a:extraClrSchemeLst/>
+  <a:extLst>
+    <a:ext uri="{05A4C25C-085E-4340-85A3-A5531E510DB2}">
+      <thm15:themeFamily xmlns:thm15="http://schemas.microsoft.com/office/thememl/2012/main" name="Office Theme" id="{62F939B6-93AF-4DB8-9C6B-D6C7DFDC589F}" vid="{4A3C46E8-61CC-4603-A589-7422A47A8E4A}"/>
+    </a:ext>
+  </a:extLst>
+</a:theme>
 </file>
--- a/Deception Detection using Facial Action Units.pptx
+++ b/Deception Detection using Facial Action Units.pptx
@@ -255,7 +255,7 @@
           <a:p>
             <a:fld id="{3BABDDC5-0E4A-4641-A748-4FB7315C8DEC}" type="datetimeFigureOut">
               <a:rPr lang="en-US" smtClean="0"/>
-              <a:t>12/22/2018</a:t>
+              <a:t>12/29/2018</a:t>
             </a:fld>
             <a:endParaRPr lang="en-US"/>
           </a:p>
@@ -738,7 +738,7 @@
           <a:p>
             <a:fld id="{E2871C63-F475-4904-B730-D2EF70A0C39F}" type="datetimeFigureOut">
               <a:rPr lang="en-US" smtClean="0"/>
-              <a:t>12/22/2018</a:t>
+              <a:t>12/29/2018</a:t>
             </a:fld>
             <a:endParaRPr lang="en-US"/>
           </a:p>
@@ -908,7 +908,7 @@
           <a:p>
             <a:fld id="{E2871C63-F475-4904-B730-D2EF70A0C39F}" type="datetimeFigureOut">
               <a:rPr lang="en-US" smtClean="0"/>
-              <a:t>12/22/2018</a:t>
+              <a:t>12/29/2018</a:t>
             </a:fld>
             <a:endParaRPr lang="en-US"/>
           </a:p>
@@ -1088,7 +1088,7 @@
           <a:p>
             <a:fld id="{E2871C63-F475-4904-B730-D2EF70A0C39F}" type="datetimeFigureOut">
               <a:rPr lang="en-US" smtClean="0"/>
-              <a:t>12/22/2018</a:t>
+              <a:t>12/29/2018</a:t>
             </a:fld>
             <a:endParaRPr lang="en-US"/>
           </a:p>
@@ -1258,7 +1258,7 @@
           <a:p>
             <a:fld id="{E2871C63-F475-4904-B730-D2EF70A0C39F}" type="datetimeFigureOut">
               <a:rPr lang="en-US" smtClean="0"/>
-              <a:t>12/22/2018</a:t>
+              <a:t>12/29/2018</a:t>
             </a:fld>
             <a:endParaRPr lang="en-US"/>
           </a:p>
@@ -1504,7 +1504,7 @@
           <a:p>
             <a:fld id="{E2871C63-F475-4904-B730-D2EF70A0C39F}" type="datetimeFigureOut">
               <a:rPr lang="en-US" smtClean="0"/>
-              <a:t>12/22/2018</a:t>
+              <a:t>12/29/2018</a:t>
             </a:fld>
             <a:endParaRPr lang="en-US"/>
           </a:p>
@@ -1736,7 +1736,7 @@
           <a:p>
             <a:fld id="{E2871C63-F475-4904-B730-D2EF70A0C39F}" type="datetimeFigureOut">
               <a:rPr lang="en-US" smtClean="0"/>
-              <a:t>12/22/2018</a:t>
+              <a:t>12/29/2018</a:t>
             </a:fld>
             <a:endParaRPr lang="en-US"/>
           </a:p>
@@ -2103,7 +2103,7 @@
           <a:p>
             <a:fld id="{E2871C63-F475-4904-B730-D2EF70A0C39F}" type="datetimeFigureOut">
               <a:rPr lang="en-US" smtClean="0"/>
-              <a:t>12/22/2018</a:t>
+              <a:t>12/29/2018</a:t>
             </a:fld>
             <a:endParaRPr lang="en-US"/>
           </a:p>
@@ -2221,7 +2221,7 @@
           <a:p>
             <a:fld id="{E2871C63-F475-4904-B730-D2EF70A0C39F}" type="datetimeFigureOut">
               <a:rPr lang="en-US" smtClean="0"/>
-              <a:t>12/22/2018</a:t>
+              <a:t>12/29/2018</a:t>
             </a:fld>
             <a:endParaRPr lang="en-US"/>
           </a:p>
@@ -2316,7 +2316,7 @@
           <a:p>
             <a:fld id="{E2871C63-F475-4904-B730-D2EF70A0C39F}" type="datetimeFigureOut">
               <a:rPr lang="en-US" smtClean="0"/>
-              <a:t>12/22/2018</a:t>
+              <a:t>12/29/2018</a:t>
             </a:fld>
             <a:endParaRPr lang="en-US"/>
           </a:p>
@@ -2593,7 +2593,7 @@
           <a:p>
             <a:fld id="{E2871C63-F475-4904-B730-D2EF70A0C39F}" type="datetimeFigureOut">
               <a:rPr lang="en-US" smtClean="0"/>
-              <a:t>12/22/2018</a:t>
+              <a:t>12/29/2018</a:t>
             </a:fld>
             <a:endParaRPr lang="en-US"/>
           </a:p>
@@ -2846,7 +2846,7 @@
           <a:p>
             <a:fld id="{E2871C63-F475-4904-B730-D2EF70A0C39F}" type="datetimeFigureOut">
               <a:rPr lang="en-US" smtClean="0"/>
-              <a:t>12/22/2018</a:t>
+              <a:t>12/29/2018</a:t>
             </a:fld>
             <a:endParaRPr lang="en-US"/>
           </a:p>
@@ -3059,7 +3059,7 @@
           <a:p>
             <a:fld id="{E2871C63-F475-4904-B730-D2EF70A0C39F}" type="datetimeFigureOut">
               <a:rPr lang="en-US" smtClean="0"/>
-              <a:t>12/22/2018</a:t>
+              <a:t>12/29/2018</a:t>
             </a:fld>
             <a:endParaRPr lang="en-US"/>
           </a:p>
@@ -5054,11 +5054,7 @@
           <a:p>
             <a:r>
               <a:rPr lang="en-US" dirty="0" smtClean="0"/>
-              <a:t>What is </a:t>
-            </a:r>
-            <a:r>
-              <a:rPr lang="en-US" dirty="0" smtClean="0"/>
-              <a:t>our goal?</a:t>
+              <a:t>What is our goal?</a:t>
             </a:r>
             <a:endParaRPr lang="en-US" dirty="0"/>
           </a:p>
